--- a/计算机视觉/Lec02_Filters.pptx
+++ b/计算机视觉/Lec02_Filters.pptx
@@ -178,6 +178,22 @@
       </a:defRPr>
     </a:lvl9pPr>
   </p:defaultTextStyle>
+  <p:extLst>
+    <p:ext uri="{EFAFB233-063F-42B5-8137-9DF3F51BA10A}">
+      <p15:sldGuideLst xmlns:p15="http://schemas.microsoft.com/office/powerpoint/2012/main">
+        <p15:guide id="1" orient="horz" pos="2160">
+          <p15:clr>
+            <a:srgbClr val="A4A3A4"/>
+          </p15:clr>
+        </p15:guide>
+        <p15:guide id="2" pos="2880">
+          <p15:clr>
+            <a:srgbClr val="A4A3A4"/>
+          </p15:clr>
+        </p15:guide>
+      </p15:sldGuideLst>
+    </p:ext>
+  </p:extLst>
 </p:presentation>
 </file>
 
@@ -400,7 +416,7 @@
     </p:spTree>
     <p:extLst>
       <p:ext uri="{BB962C8B-B14F-4D97-AF65-F5344CB8AC3E}">
-        <p14:creationId xmlns="" xmlns:p14="http://schemas.microsoft.com/office/powerpoint/2010/main" val="3939051292"/>
+        <p14:creationId xmlns:p14="http://schemas.microsoft.com/office/powerpoint/2010/main" val="3939051292"/>
       </p:ext>
     </p:extLst>
   </p:cSld>
@@ -591,35 +607,35 @@
           <a:p>
             <a:pPr lvl="0"/>
             <a:r>
-              <a:rPr lang="en-US" noProof="0" smtClean="0"/>
+              <a:rPr lang="en-US" noProof="0"/>
               <a:t>Click to edit Master text styles</a:t>
             </a:r>
           </a:p>
           <a:p>
             <a:pPr lvl="1"/>
             <a:r>
-              <a:rPr lang="en-US" noProof="0" smtClean="0"/>
+              <a:rPr lang="en-US" noProof="0"/>
               <a:t>Second level</a:t>
             </a:r>
           </a:p>
           <a:p>
             <a:pPr lvl="2"/>
             <a:r>
-              <a:rPr lang="en-US" noProof="0" smtClean="0"/>
+              <a:rPr lang="en-US" noProof="0"/>
               <a:t>Third level</a:t>
             </a:r>
           </a:p>
           <a:p>
             <a:pPr lvl="3"/>
             <a:r>
-              <a:rPr lang="en-US" noProof="0" smtClean="0"/>
+              <a:rPr lang="en-US" noProof="0"/>
               <a:t>Fourth level</a:t>
             </a:r>
           </a:p>
           <a:p>
             <a:pPr lvl="4"/>
             <a:r>
-              <a:rPr lang="en-US" noProof="0" smtClean="0"/>
+              <a:rPr lang="en-US" noProof="0"/>
               <a:t>Fifth level</a:t>
             </a:r>
           </a:p>
@@ -727,7 +743,7 @@
     </p:spTree>
     <p:extLst>
       <p:ext uri="{BB962C8B-B14F-4D97-AF65-F5344CB8AC3E}">
-        <p14:creationId xmlns="" xmlns:p14="http://schemas.microsoft.com/office/powerpoint/2010/main" val="2660996287"/>
+        <p14:creationId xmlns:p14="http://schemas.microsoft.com/office/powerpoint/2010/main" val="2660996287"/>
       </p:ext>
     </p:extLst>
   </p:cSld>
@@ -896,7 +912,7 @@
               <a:pPr/>
               <a:t>1</a:t>
             </a:fld>
-            <a:endParaRPr lang="en-US" smtClean="0"/>
+            <a:endParaRPr lang="en-US"/>
           </a:p>
         </p:txBody>
       </p:sp>
@@ -933,7 +949,7 @@
           <a:lstStyle/>
           <a:p>
             <a:pPr eaLnBrk="1" hangingPunct="1"/>
-            <a:endParaRPr lang="en-US" smtClean="0"/>
+            <a:endParaRPr lang="en-US"/>
           </a:p>
         </p:txBody>
       </p:sp>
@@ -984,7 +1000,7 @@
               <a:pPr/>
               <a:t>10</a:t>
             </a:fld>
-            <a:endParaRPr lang="en-US" smtClean="0"/>
+            <a:endParaRPr lang="en-US"/>
           </a:p>
         </p:txBody>
       </p:sp>
@@ -1025,7 +1041,7 @@
           <a:lstStyle/>
           <a:p>
             <a:pPr eaLnBrk="1" hangingPunct="1"/>
-            <a:endParaRPr lang="en-US" smtClean="0"/>
+            <a:endParaRPr lang="en-US"/>
           </a:p>
         </p:txBody>
       </p:sp>
@@ -1076,7 +1092,7 @@
               <a:pPr/>
               <a:t>11</a:t>
             </a:fld>
-            <a:endParaRPr lang="en-US" smtClean="0"/>
+            <a:endParaRPr lang="en-US"/>
           </a:p>
         </p:txBody>
       </p:sp>
@@ -1117,7 +1133,7 @@
           <a:lstStyle/>
           <a:p>
             <a:pPr eaLnBrk="1" hangingPunct="1"/>
-            <a:endParaRPr lang="en-US" smtClean="0"/>
+            <a:endParaRPr lang="en-US"/>
           </a:p>
         </p:txBody>
       </p:sp>
@@ -1168,7 +1184,7 @@
               <a:pPr/>
               <a:t>12</a:t>
             </a:fld>
-            <a:endParaRPr lang="en-US" smtClean="0"/>
+            <a:endParaRPr lang="en-US"/>
           </a:p>
         </p:txBody>
       </p:sp>
@@ -1209,7 +1225,7 @@
           <a:lstStyle/>
           <a:p>
             <a:pPr eaLnBrk="1" hangingPunct="1"/>
-            <a:endParaRPr lang="en-US" smtClean="0"/>
+            <a:endParaRPr lang="en-US"/>
           </a:p>
         </p:txBody>
       </p:sp>
@@ -1260,7 +1276,7 @@
               <a:pPr/>
               <a:t>13</a:t>
             </a:fld>
-            <a:endParaRPr lang="en-US" smtClean="0"/>
+            <a:endParaRPr lang="en-US"/>
           </a:p>
         </p:txBody>
       </p:sp>
@@ -1301,7 +1317,7 @@
           <a:lstStyle/>
           <a:p>
             <a:pPr eaLnBrk="1" hangingPunct="1"/>
-            <a:endParaRPr lang="en-US" smtClean="0"/>
+            <a:endParaRPr lang="en-US"/>
           </a:p>
         </p:txBody>
       </p:sp>
@@ -1352,7 +1368,7 @@
               <a:pPr/>
               <a:t>14</a:t>
             </a:fld>
-            <a:endParaRPr lang="en-US" smtClean="0"/>
+            <a:endParaRPr lang="en-US"/>
           </a:p>
         </p:txBody>
       </p:sp>
@@ -1393,7 +1409,7 @@
           <a:lstStyle/>
           <a:p>
             <a:pPr eaLnBrk="1" hangingPunct="1"/>
-            <a:endParaRPr lang="en-US" smtClean="0"/>
+            <a:endParaRPr lang="en-US"/>
           </a:p>
         </p:txBody>
       </p:sp>
@@ -1444,7 +1460,7 @@
               <a:pPr/>
               <a:t>15</a:t>
             </a:fld>
-            <a:endParaRPr lang="en-US" smtClean="0"/>
+            <a:endParaRPr lang="en-US"/>
           </a:p>
         </p:txBody>
       </p:sp>
@@ -1485,7 +1501,7 @@
           <a:lstStyle/>
           <a:p>
             <a:pPr eaLnBrk="1" hangingPunct="1"/>
-            <a:endParaRPr lang="en-US" smtClean="0"/>
+            <a:endParaRPr lang="en-US"/>
           </a:p>
         </p:txBody>
       </p:sp>
@@ -1536,7 +1552,7 @@
               <a:pPr/>
               <a:t>16</a:t>
             </a:fld>
-            <a:endParaRPr lang="en-US" smtClean="0"/>
+            <a:endParaRPr lang="en-US"/>
           </a:p>
         </p:txBody>
       </p:sp>
@@ -1577,7 +1593,7 @@
           <a:lstStyle/>
           <a:p>
             <a:pPr eaLnBrk="1" hangingPunct="1"/>
-            <a:endParaRPr lang="en-US" smtClean="0"/>
+            <a:endParaRPr lang="en-US"/>
           </a:p>
         </p:txBody>
       </p:sp>
@@ -1628,7 +1644,7 @@
               <a:pPr/>
               <a:t>17</a:t>
             </a:fld>
-            <a:endParaRPr lang="en-US" smtClean="0"/>
+            <a:endParaRPr lang="en-US"/>
           </a:p>
         </p:txBody>
       </p:sp>
@@ -1669,7 +1685,7 @@
           <a:lstStyle/>
           <a:p>
             <a:pPr eaLnBrk="1" hangingPunct="1"/>
-            <a:endParaRPr lang="en-US" smtClean="0"/>
+            <a:endParaRPr lang="en-US"/>
           </a:p>
         </p:txBody>
       </p:sp>
@@ -1720,7 +1736,7 @@
               <a:pPr/>
               <a:t>18</a:t>
             </a:fld>
-            <a:endParaRPr lang="en-US" smtClean="0"/>
+            <a:endParaRPr lang="en-US"/>
           </a:p>
         </p:txBody>
       </p:sp>
@@ -1761,7 +1777,7 @@
           <a:lstStyle/>
           <a:p>
             <a:pPr eaLnBrk="1" hangingPunct="1"/>
-            <a:endParaRPr lang="en-US" smtClean="0"/>
+            <a:endParaRPr lang="en-US"/>
           </a:p>
         </p:txBody>
       </p:sp>
@@ -1812,7 +1828,7 @@
               <a:pPr/>
               <a:t>19</a:t>
             </a:fld>
-            <a:endParaRPr lang="en-US" smtClean="0"/>
+            <a:endParaRPr lang="en-US"/>
           </a:p>
         </p:txBody>
       </p:sp>
@@ -1849,7 +1865,7 @@
           <a:lstStyle/>
           <a:p>
             <a:pPr eaLnBrk="1" hangingPunct="1"/>
-            <a:endParaRPr lang="en-US" smtClean="0"/>
+            <a:endParaRPr lang="en-US"/>
           </a:p>
         </p:txBody>
       </p:sp>
@@ -1900,7 +1916,7 @@
               <a:pPr/>
               <a:t>2</a:t>
             </a:fld>
-            <a:endParaRPr lang="en-US" smtClean="0"/>
+            <a:endParaRPr lang="en-US"/>
           </a:p>
         </p:txBody>
       </p:sp>
@@ -1946,7 +1962,7 @@
           <a:p>
             <a:pPr eaLnBrk="1" hangingPunct="1"/>
             <a:r>
-              <a:rPr lang="en-US" smtClean="0"/>
+              <a:rPr lang="en-US"/>
               <a:t>Answer:  take lots of images, average them</a:t>
             </a:r>
           </a:p>
@@ -1999,7 +2015,7 @@
               <a:pPr/>
               <a:t>20</a:t>
             </a:fld>
-            <a:endParaRPr lang="en-US" smtClean="0"/>
+            <a:endParaRPr lang="en-US"/>
           </a:p>
         </p:txBody>
       </p:sp>
@@ -2040,7 +2056,7 @@
           <a:lstStyle/>
           <a:p>
             <a:pPr eaLnBrk="1" hangingPunct="1"/>
-            <a:endParaRPr lang="en-US" dirty="0" smtClean="0"/>
+            <a:endParaRPr lang="en-US" dirty="0"/>
           </a:p>
         </p:txBody>
       </p:sp>
@@ -2091,7 +2107,7 @@
               <a:pPr/>
               <a:t>21</a:t>
             </a:fld>
-            <a:endParaRPr lang="en-US" smtClean="0"/>
+            <a:endParaRPr lang="en-US"/>
           </a:p>
         </p:txBody>
       </p:sp>
@@ -2132,7 +2148,7 @@
           <a:lstStyle/>
           <a:p>
             <a:pPr eaLnBrk="1" hangingPunct="1"/>
-            <a:endParaRPr lang="en-US" dirty="0" smtClean="0"/>
+            <a:endParaRPr lang="en-US" dirty="0"/>
           </a:p>
         </p:txBody>
       </p:sp>
@@ -2183,7 +2199,7 @@
               <a:pPr/>
               <a:t>22</a:t>
             </a:fld>
-            <a:endParaRPr lang="en-US" smtClean="0"/>
+            <a:endParaRPr lang="en-US"/>
           </a:p>
         </p:txBody>
       </p:sp>
@@ -2224,7 +2240,7 @@
           <a:lstStyle/>
           <a:p>
             <a:pPr eaLnBrk="1" hangingPunct="1"/>
-            <a:endParaRPr lang="en-US" smtClean="0"/>
+            <a:endParaRPr lang="en-US"/>
           </a:p>
         </p:txBody>
       </p:sp>
@@ -2275,7 +2291,7 @@
               <a:pPr/>
               <a:t>23</a:t>
             </a:fld>
-            <a:endParaRPr lang="en-US" smtClean="0"/>
+            <a:endParaRPr lang="en-US"/>
           </a:p>
         </p:txBody>
       </p:sp>
@@ -2316,7 +2332,7 @@
           <a:lstStyle/>
           <a:p>
             <a:pPr eaLnBrk="1" hangingPunct="1"/>
-            <a:endParaRPr lang="en-US" smtClean="0"/>
+            <a:endParaRPr lang="en-US"/>
           </a:p>
         </p:txBody>
       </p:sp>
@@ -2367,7 +2383,7 @@
               <a:pPr/>
               <a:t>24</a:t>
             </a:fld>
-            <a:endParaRPr lang="en-US" smtClean="0"/>
+            <a:endParaRPr lang="en-US"/>
           </a:p>
         </p:txBody>
       </p:sp>
@@ -2404,7 +2420,7 @@
           <a:lstStyle/>
           <a:p>
             <a:pPr eaLnBrk="1" hangingPunct="1"/>
-            <a:endParaRPr lang="en-US" smtClean="0"/>
+            <a:endParaRPr lang="en-US"/>
           </a:p>
         </p:txBody>
       </p:sp>
@@ -2455,7 +2471,7 @@
               <a:pPr/>
               <a:t>25</a:t>
             </a:fld>
-            <a:endParaRPr lang="en-US" smtClean="0"/>
+            <a:endParaRPr lang="en-US"/>
           </a:p>
         </p:txBody>
       </p:sp>
@@ -2492,7 +2508,7 @@
           <a:lstStyle/>
           <a:p>
             <a:pPr eaLnBrk="1" hangingPunct="1"/>
-            <a:endParaRPr lang="en-US" smtClean="0"/>
+            <a:endParaRPr lang="en-US"/>
           </a:p>
         </p:txBody>
       </p:sp>
@@ -2543,7 +2559,7 @@
               <a:pPr/>
               <a:t>26</a:t>
             </a:fld>
-            <a:endParaRPr lang="en-US" smtClean="0"/>
+            <a:endParaRPr lang="en-US"/>
           </a:p>
         </p:txBody>
       </p:sp>
@@ -2584,7 +2600,7 @@
           <a:lstStyle/>
           <a:p>
             <a:pPr eaLnBrk="1" hangingPunct="1"/>
-            <a:endParaRPr lang="en-US" smtClean="0"/>
+            <a:endParaRPr lang="en-US"/>
           </a:p>
         </p:txBody>
       </p:sp>
@@ -2635,7 +2651,7 @@
               <a:pPr/>
               <a:t>27</a:t>
             </a:fld>
-            <a:endParaRPr lang="en-US" smtClean="0"/>
+            <a:endParaRPr lang="en-US"/>
           </a:p>
         </p:txBody>
       </p:sp>
@@ -2673,7 +2689,7 @@
           <a:p>
             <a:pPr eaLnBrk="1" hangingPunct="1"/>
             <a:r>
-              <a:rPr lang="en-US" smtClean="0"/>
+              <a:rPr lang="en-US"/>
               <a:t>Linear vs. quadratic in mask size</a:t>
             </a:r>
           </a:p>
@@ -2726,7 +2742,7 @@
               <a:pPr/>
               <a:t>28</a:t>
             </a:fld>
-            <a:endParaRPr lang="en-US" smtClean="0"/>
+            <a:endParaRPr lang="en-US"/>
           </a:p>
         </p:txBody>
       </p:sp>
@@ -2767,7 +2783,7 @@
           <a:lstStyle/>
           <a:p>
             <a:pPr eaLnBrk="1" hangingPunct="1"/>
-            <a:endParaRPr lang="en-US" smtClean="0"/>
+            <a:endParaRPr lang="en-US"/>
           </a:p>
         </p:txBody>
       </p:sp>
@@ -2818,7 +2834,7 @@
               <a:pPr/>
               <a:t>29</a:t>
             </a:fld>
-            <a:endParaRPr lang="en-US" smtClean="0"/>
+            <a:endParaRPr lang="en-US"/>
           </a:p>
         </p:txBody>
       </p:sp>
@@ -2855,7 +2871,7 @@
           <a:lstStyle/>
           <a:p>
             <a:pPr eaLnBrk="1" hangingPunct="1"/>
-            <a:endParaRPr lang="en-US" smtClean="0"/>
+            <a:endParaRPr lang="en-US"/>
           </a:p>
         </p:txBody>
       </p:sp>
@@ -2906,7 +2922,7 @@
               <a:pPr/>
               <a:t>3</a:t>
             </a:fld>
-            <a:endParaRPr lang="en-US" smtClean="0"/>
+            <a:endParaRPr lang="en-US"/>
           </a:p>
         </p:txBody>
       </p:sp>
@@ -2947,7 +2963,7 @@
           <a:lstStyle/>
           <a:p>
             <a:pPr eaLnBrk="1" hangingPunct="1"/>
-            <a:endParaRPr lang="en-US" smtClean="0"/>
+            <a:endParaRPr lang="en-US"/>
           </a:p>
         </p:txBody>
       </p:sp>
@@ -2998,7 +3014,7 @@
               <a:pPr/>
               <a:t>30</a:t>
             </a:fld>
-            <a:endParaRPr lang="en-US" smtClean="0"/>
+            <a:endParaRPr lang="en-US"/>
           </a:p>
         </p:txBody>
       </p:sp>
@@ -3044,7 +3060,7 @@
           <a:p>
             <a:pPr eaLnBrk="1" hangingPunct="1"/>
             <a:r>
-              <a:rPr lang="en-US" smtClean="0"/>
+              <a:rPr lang="en-US"/>
               <a:t>Salt and pepper and impulse noise can be due to transmission errors (e.g., from deep space probe), dead CCD pixels, specks on lens</a:t>
             </a:r>
           </a:p>
@@ -3097,7 +3113,7 @@
               <a:pPr/>
               <a:t>31</a:t>
             </a:fld>
-            <a:endParaRPr lang="en-US" smtClean="0"/>
+            <a:endParaRPr lang="en-US"/>
           </a:p>
         </p:txBody>
       </p:sp>
@@ -3134,7 +3150,7 @@
           <a:lstStyle/>
           <a:p>
             <a:pPr eaLnBrk="1" hangingPunct="1"/>
-            <a:endParaRPr lang="en-US" smtClean="0"/>
+            <a:endParaRPr lang="en-US"/>
           </a:p>
         </p:txBody>
       </p:sp>
@@ -3185,7 +3201,7 @@
               <a:pPr/>
               <a:t>32</a:t>
             </a:fld>
-            <a:endParaRPr lang="en-US" smtClean="0"/>
+            <a:endParaRPr lang="en-US"/>
           </a:p>
         </p:txBody>
       </p:sp>
@@ -3226,7 +3242,7 @@
           <a:lstStyle/>
           <a:p>
             <a:pPr eaLnBrk="1" hangingPunct="1"/>
-            <a:endParaRPr lang="en-US" smtClean="0"/>
+            <a:endParaRPr lang="en-US"/>
           </a:p>
         </p:txBody>
       </p:sp>
@@ -3277,7 +3293,7 @@
               <a:pPr/>
               <a:t>33</a:t>
             </a:fld>
-            <a:endParaRPr lang="en-US" smtClean="0"/>
+            <a:endParaRPr lang="en-US"/>
           </a:p>
         </p:txBody>
       </p:sp>
@@ -3314,7 +3330,7 @@
           <a:lstStyle/>
           <a:p>
             <a:pPr eaLnBrk="1" hangingPunct="1"/>
-            <a:endParaRPr lang="en-US" smtClean="0"/>
+            <a:endParaRPr lang="en-US"/>
           </a:p>
         </p:txBody>
       </p:sp>
@@ -3365,7 +3381,7 @@
               <a:pPr/>
               <a:t>34</a:t>
             </a:fld>
-            <a:endParaRPr lang="en-US" smtClean="0"/>
+            <a:endParaRPr lang="en-US"/>
           </a:p>
         </p:txBody>
       </p:sp>
@@ -3411,7 +3427,7 @@
           <a:p>
             <a:pPr eaLnBrk="1" hangingPunct="1"/>
             <a:r>
-              <a:rPr lang="en-US" smtClean="0"/>
+              <a:rPr lang="en-US"/>
               <a:t>Linearity of median filter: try filter([0 0 0; 0 1 0; 0 0 0] + [1 1 1; 1 1 2; 2 2 2])</a:t>
             </a:r>
           </a:p>
@@ -3464,7 +3480,7 @@
               <a:pPr/>
               <a:t>36</a:t>
             </a:fld>
-            <a:endParaRPr lang="en-US" smtClean="0"/>
+            <a:endParaRPr lang="en-US"/>
           </a:p>
         </p:txBody>
       </p:sp>
@@ -3501,7 +3517,7 @@
           <a:lstStyle/>
           <a:p>
             <a:pPr eaLnBrk="1" hangingPunct="1"/>
-            <a:endParaRPr lang="en-US" smtClean="0"/>
+            <a:endParaRPr lang="en-US"/>
           </a:p>
         </p:txBody>
       </p:sp>
@@ -3552,7 +3568,7 @@
               <a:pPr/>
               <a:t>37</a:t>
             </a:fld>
-            <a:endParaRPr lang="en-US" smtClean="0"/>
+            <a:endParaRPr lang="en-US"/>
           </a:p>
         </p:txBody>
       </p:sp>
@@ -3589,7 +3605,7 @@
           <a:lstStyle/>
           <a:p>
             <a:pPr eaLnBrk="1" hangingPunct="1"/>
-            <a:endParaRPr lang="en-US" smtClean="0"/>
+            <a:endParaRPr lang="en-US"/>
           </a:p>
         </p:txBody>
       </p:sp>
@@ -3640,7 +3656,7 @@
               <a:pPr/>
               <a:t>38</a:t>
             </a:fld>
-            <a:endParaRPr lang="en-US" smtClean="0"/>
+            <a:endParaRPr lang="en-US"/>
           </a:p>
         </p:txBody>
       </p:sp>
@@ -3685,7 +3701,7 @@
           <a:lstStyle/>
           <a:p>
             <a:pPr eaLnBrk="1" hangingPunct="1"/>
-            <a:endParaRPr lang="en-US" smtClean="0"/>
+            <a:endParaRPr lang="en-US"/>
           </a:p>
         </p:txBody>
       </p:sp>
@@ -3736,7 +3752,7 @@
               <a:pPr/>
               <a:t>4</a:t>
             </a:fld>
-            <a:endParaRPr lang="en-US" smtClean="0"/>
+            <a:endParaRPr lang="en-US"/>
           </a:p>
         </p:txBody>
       </p:sp>
@@ -3774,22 +3790,22 @@
           <a:p>
             <a:pPr eaLnBrk="1" hangingPunct="1"/>
             <a:r>
-              <a:rPr lang="en-US" dirty="0" smtClean="0"/>
+              <a:rPr lang="en-US" dirty="0"/>
               <a:t>If we want to know the value of the filtered</a:t>
             </a:r>
             <a:r>
-              <a:rPr lang="en-US" baseline="0" dirty="0" smtClean="0"/>
+              <a:rPr lang="en-US" baseline="0" dirty="0"/>
               <a:t> image at any location, we overlay </a:t>
             </a:r>
             <a:r>
-              <a:rPr lang="en-US" baseline="0" smtClean="0"/>
+              <a:rPr lang="en-US" baseline="0"/>
               <a:t>the filter </a:t>
             </a:r>
             <a:r>
-              <a:rPr lang="en-US" baseline="0" dirty="0" smtClean="0"/>
+              <a:rPr lang="en-US" baseline="0" dirty="0"/>
               <a:t>kernel over the image centered at that location, multiply the image values by the corresponding kernel values, and sum the result. To produce the entire filtered output image, we slide the filter kernel over every location and perform this operation.</a:t>
             </a:r>
-            <a:endParaRPr lang="en-US" dirty="0" smtClean="0"/>
+            <a:endParaRPr lang="en-US" dirty="0"/>
           </a:p>
         </p:txBody>
       </p:sp>
@@ -3840,7 +3856,7 @@
               <a:pPr/>
               <a:t>5</a:t>
             </a:fld>
-            <a:endParaRPr lang="en-US" smtClean="0"/>
+            <a:endParaRPr lang="en-US"/>
           </a:p>
         </p:txBody>
       </p:sp>
@@ -3881,7 +3897,7 @@
           <a:lstStyle/>
           <a:p>
             <a:pPr eaLnBrk="1" hangingPunct="1"/>
-            <a:endParaRPr lang="ru-RU" smtClean="0"/>
+            <a:endParaRPr lang="ru-RU"/>
           </a:p>
         </p:txBody>
       </p:sp>
@@ -3932,7 +3948,7 @@
               <a:pPr/>
               <a:t>6</a:t>
             </a:fld>
-            <a:endParaRPr lang="en-US" smtClean="0"/>
+            <a:endParaRPr lang="en-US"/>
           </a:p>
         </p:txBody>
       </p:sp>
@@ -3973,7 +3989,7 @@
           <a:lstStyle/>
           <a:p>
             <a:pPr eaLnBrk="1" hangingPunct="1"/>
-            <a:endParaRPr lang="ru-RU" smtClean="0"/>
+            <a:endParaRPr lang="ru-RU"/>
           </a:p>
         </p:txBody>
       </p:sp>
@@ -4024,7 +4040,7 @@
               <a:pPr/>
               <a:t>7</a:t>
             </a:fld>
-            <a:endParaRPr lang="en-US" smtClean="0"/>
+            <a:endParaRPr lang="en-US"/>
           </a:p>
         </p:txBody>
       </p:sp>
@@ -4061,7 +4077,7 @@
           <a:lstStyle/>
           <a:p>
             <a:pPr eaLnBrk="1" hangingPunct="1"/>
-            <a:endParaRPr lang="en-US" smtClean="0"/>
+            <a:endParaRPr lang="en-US"/>
           </a:p>
         </p:txBody>
       </p:sp>
@@ -4112,7 +4128,7 @@
               <a:pPr/>
               <a:t>8</a:t>
             </a:fld>
-            <a:endParaRPr lang="en-US" smtClean="0"/>
+            <a:endParaRPr lang="en-US"/>
           </a:p>
         </p:txBody>
       </p:sp>
@@ -4153,7 +4169,7 @@
           <a:lstStyle/>
           <a:p>
             <a:pPr eaLnBrk="1" hangingPunct="1"/>
-            <a:endParaRPr lang="ru-RU" smtClean="0"/>
+            <a:endParaRPr lang="ru-RU"/>
           </a:p>
         </p:txBody>
       </p:sp>
@@ -4204,7 +4220,7 @@
               <a:pPr/>
               <a:t>9</a:t>
             </a:fld>
-            <a:endParaRPr lang="en-US" smtClean="0"/>
+            <a:endParaRPr lang="en-US"/>
           </a:p>
         </p:txBody>
       </p:sp>
@@ -4245,7 +4261,7 @@
           <a:lstStyle/>
           <a:p>
             <a:pPr eaLnBrk="1" hangingPunct="1"/>
-            <a:endParaRPr lang="ru-RU" smtClean="0"/>
+            <a:endParaRPr lang="ru-RU"/>
           </a:p>
         </p:txBody>
       </p:sp>
@@ -4295,10 +4311,9 @@
           <a:lstStyle/>
           <a:p>
             <a:r>
-              <a:rPr lang="en-US" smtClean="0"/>
+              <a:rPr lang="en-US"/>
               <a:t>Click to edit Master title style</a:t>
             </a:r>
-            <a:endParaRPr lang="en-US"/>
           </a:p>
         </p:txBody>
       </p:sp>
@@ -4360,10 +4375,9 @@
           </a:lstStyle>
           <a:p>
             <a:r>
-              <a:rPr lang="en-US" smtClean="0"/>
+              <a:rPr lang="en-US"/>
               <a:t>Click to edit Master subtitle style</a:t>
             </a:r>
-            <a:endParaRPr lang="en-US"/>
           </a:p>
         </p:txBody>
       </p:sp>
@@ -4499,10 +4513,9 @@
           <a:lstStyle/>
           <a:p>
             <a:r>
-              <a:rPr lang="en-US" smtClean="0"/>
+              <a:rPr lang="en-US"/>
               <a:t>Click to edit Master title style</a:t>
             </a:r>
-            <a:endParaRPr lang="en-US"/>
           </a:p>
         </p:txBody>
       </p:sp>
@@ -4523,38 +4536,37 @@
           <a:p>
             <a:pPr lvl="0"/>
             <a:r>
-              <a:rPr lang="en-US" smtClean="0"/>
+              <a:rPr lang="en-US"/>
               <a:t>Click to edit Master text styles</a:t>
             </a:r>
           </a:p>
           <a:p>
             <a:pPr lvl="1"/>
             <a:r>
-              <a:rPr lang="en-US" smtClean="0"/>
+              <a:rPr lang="en-US"/>
               <a:t>Second level</a:t>
             </a:r>
           </a:p>
           <a:p>
             <a:pPr lvl="2"/>
             <a:r>
-              <a:rPr lang="en-US" smtClean="0"/>
+              <a:rPr lang="en-US"/>
               <a:t>Third level</a:t>
             </a:r>
           </a:p>
           <a:p>
             <a:pPr lvl="3"/>
             <a:r>
-              <a:rPr lang="en-US" smtClean="0"/>
+              <a:rPr lang="en-US"/>
               <a:t>Fourth level</a:t>
             </a:r>
           </a:p>
           <a:p>
             <a:pPr lvl="4"/>
             <a:r>
-              <a:rPr lang="en-US" smtClean="0"/>
+              <a:rPr lang="en-US"/>
               <a:t>Fifth level</a:t>
             </a:r>
-            <a:endParaRPr lang="en-US"/>
           </a:p>
         </p:txBody>
       </p:sp>
@@ -4695,10 +4707,9 @@
           <a:lstStyle/>
           <a:p>
             <a:r>
-              <a:rPr lang="en-US" smtClean="0"/>
+              <a:rPr lang="en-US"/>
               <a:t>Click to edit Master title style</a:t>
             </a:r>
-            <a:endParaRPr lang="en-US"/>
           </a:p>
         </p:txBody>
       </p:sp>
@@ -4724,38 +4735,37 @@
           <a:p>
             <a:pPr lvl="0"/>
             <a:r>
-              <a:rPr lang="en-US" smtClean="0"/>
+              <a:rPr lang="en-US"/>
               <a:t>Click to edit Master text styles</a:t>
             </a:r>
           </a:p>
           <a:p>
             <a:pPr lvl="1"/>
             <a:r>
-              <a:rPr lang="en-US" smtClean="0"/>
+              <a:rPr lang="en-US"/>
               <a:t>Second level</a:t>
             </a:r>
           </a:p>
           <a:p>
             <a:pPr lvl="2"/>
             <a:r>
-              <a:rPr lang="en-US" smtClean="0"/>
+              <a:rPr lang="en-US"/>
               <a:t>Third level</a:t>
             </a:r>
           </a:p>
           <a:p>
             <a:pPr lvl="3"/>
             <a:r>
-              <a:rPr lang="en-US" smtClean="0"/>
+              <a:rPr lang="en-US"/>
               <a:t>Fourth level</a:t>
             </a:r>
           </a:p>
           <a:p>
             <a:pPr lvl="4"/>
             <a:r>
-              <a:rPr lang="en-US" smtClean="0"/>
+              <a:rPr lang="en-US"/>
               <a:t>Fifth level</a:t>
             </a:r>
-            <a:endParaRPr lang="en-US"/>
           </a:p>
         </p:txBody>
       </p:sp>
@@ -4896,10 +4906,9 @@
           <a:lstStyle/>
           <a:p>
             <a:r>
-              <a:rPr lang="en-US" smtClean="0"/>
+              <a:rPr lang="en-US"/>
               <a:t>Click to edit Master title style</a:t>
             </a:r>
-            <a:endParaRPr lang="en-US"/>
           </a:p>
         </p:txBody>
       </p:sp>
@@ -4924,7 +4933,7 @@
           <a:lstStyle/>
           <a:p>
             <a:pPr lvl="0"/>
-            <a:endParaRPr lang="en-US" noProof="0" smtClean="0"/>
+            <a:endParaRPr lang="en-US" noProof="0"/>
           </a:p>
         </p:txBody>
       </p:sp>
@@ -5060,10 +5069,9 @@
           <a:lstStyle/>
           <a:p>
             <a:r>
-              <a:rPr lang="en-US" smtClean="0"/>
+              <a:rPr lang="en-US"/>
               <a:t>Click to edit Master title style</a:t>
             </a:r>
-            <a:endParaRPr lang="en-US"/>
           </a:p>
         </p:txBody>
       </p:sp>
@@ -5084,38 +5092,37 @@
           <a:p>
             <a:pPr lvl="0"/>
             <a:r>
-              <a:rPr lang="en-US" smtClean="0"/>
+              <a:rPr lang="en-US"/>
               <a:t>Click to edit Master text styles</a:t>
             </a:r>
           </a:p>
           <a:p>
             <a:pPr lvl="1"/>
             <a:r>
-              <a:rPr lang="en-US" smtClean="0"/>
+              <a:rPr lang="en-US"/>
               <a:t>Second level</a:t>
             </a:r>
           </a:p>
           <a:p>
             <a:pPr lvl="2"/>
             <a:r>
-              <a:rPr lang="en-US" smtClean="0"/>
+              <a:rPr lang="en-US"/>
               <a:t>Third level</a:t>
             </a:r>
           </a:p>
           <a:p>
             <a:pPr lvl="3"/>
             <a:r>
-              <a:rPr lang="en-US" smtClean="0"/>
+              <a:rPr lang="en-US"/>
               <a:t>Fourth level</a:t>
             </a:r>
           </a:p>
           <a:p>
             <a:pPr lvl="4"/>
             <a:r>
-              <a:rPr lang="en-US" smtClean="0"/>
+              <a:rPr lang="en-US"/>
               <a:t>Fifth level</a:t>
             </a:r>
-            <a:endParaRPr lang="en-US"/>
           </a:p>
         </p:txBody>
       </p:sp>
@@ -5260,10 +5267,9 @@
           </a:lstStyle>
           <a:p>
             <a:r>
-              <a:rPr lang="en-US" smtClean="0"/>
+              <a:rPr lang="en-US"/>
               <a:t>Click to edit Master title style</a:t>
             </a:r>
-            <a:endParaRPr lang="en-US"/>
           </a:p>
         </p:txBody>
       </p:sp>
@@ -5326,7 +5332,7 @@
           <a:p>
             <a:pPr lvl="0"/>
             <a:r>
-              <a:rPr lang="en-US" smtClean="0"/>
+              <a:rPr lang="en-US"/>
               <a:t>Click to edit Master text styles</a:t>
             </a:r>
           </a:p>
@@ -5464,10 +5470,9 @@
           <a:lstStyle/>
           <a:p>
             <a:r>
-              <a:rPr lang="en-US" smtClean="0"/>
+              <a:rPr lang="en-US"/>
               <a:t>Click to edit Master title style</a:t>
             </a:r>
-            <a:endParaRPr lang="en-US"/>
           </a:p>
         </p:txBody>
       </p:sp>
@@ -5521,38 +5526,37 @@
           <a:p>
             <a:pPr lvl="0"/>
             <a:r>
-              <a:rPr lang="en-US" smtClean="0"/>
+              <a:rPr lang="en-US"/>
               <a:t>Click to edit Master text styles</a:t>
             </a:r>
           </a:p>
           <a:p>
             <a:pPr lvl="1"/>
             <a:r>
-              <a:rPr lang="en-US" smtClean="0"/>
+              <a:rPr lang="en-US"/>
               <a:t>Second level</a:t>
             </a:r>
           </a:p>
           <a:p>
             <a:pPr lvl="2"/>
             <a:r>
-              <a:rPr lang="en-US" smtClean="0"/>
+              <a:rPr lang="en-US"/>
               <a:t>Third level</a:t>
             </a:r>
           </a:p>
           <a:p>
             <a:pPr lvl="3"/>
             <a:r>
-              <a:rPr lang="en-US" smtClean="0"/>
+              <a:rPr lang="en-US"/>
               <a:t>Fourth level</a:t>
             </a:r>
           </a:p>
           <a:p>
             <a:pPr lvl="4"/>
             <a:r>
-              <a:rPr lang="en-US" smtClean="0"/>
+              <a:rPr lang="en-US"/>
               <a:t>Fifth level</a:t>
             </a:r>
-            <a:endParaRPr lang="en-US"/>
           </a:p>
         </p:txBody>
       </p:sp>
@@ -5606,38 +5610,37 @@
           <a:p>
             <a:pPr lvl="0"/>
             <a:r>
-              <a:rPr lang="en-US" smtClean="0"/>
+              <a:rPr lang="en-US"/>
               <a:t>Click to edit Master text styles</a:t>
             </a:r>
           </a:p>
           <a:p>
             <a:pPr lvl="1"/>
             <a:r>
-              <a:rPr lang="en-US" smtClean="0"/>
+              <a:rPr lang="en-US"/>
               <a:t>Second level</a:t>
             </a:r>
           </a:p>
           <a:p>
             <a:pPr lvl="2"/>
             <a:r>
-              <a:rPr lang="en-US" smtClean="0"/>
+              <a:rPr lang="en-US"/>
               <a:t>Third level</a:t>
             </a:r>
           </a:p>
           <a:p>
             <a:pPr lvl="3"/>
             <a:r>
-              <a:rPr lang="en-US" smtClean="0"/>
+              <a:rPr lang="en-US"/>
               <a:t>Fourth level</a:t>
             </a:r>
           </a:p>
           <a:p>
             <a:pPr lvl="4"/>
             <a:r>
-              <a:rPr lang="en-US" smtClean="0"/>
+              <a:rPr lang="en-US"/>
               <a:t>Fifth level</a:t>
             </a:r>
-            <a:endParaRPr lang="en-US"/>
           </a:p>
         </p:txBody>
       </p:sp>
@@ -5782,10 +5785,9 @@
           </a:lstStyle>
           <a:p>
             <a:r>
-              <a:rPr lang="en-US" smtClean="0"/>
+              <a:rPr lang="en-US"/>
               <a:t>Click to edit Master title style</a:t>
             </a:r>
-            <a:endParaRPr lang="en-US"/>
           </a:p>
         </p:txBody>
       </p:sp>
@@ -5848,7 +5850,7 @@
           <a:p>
             <a:pPr lvl="0"/>
             <a:r>
-              <a:rPr lang="en-US" smtClean="0"/>
+              <a:rPr lang="en-US"/>
               <a:t>Click to edit Master text styles</a:t>
             </a:r>
           </a:p>
@@ -5904,38 +5906,37 @@
           <a:p>
             <a:pPr lvl="0"/>
             <a:r>
-              <a:rPr lang="en-US" smtClean="0"/>
+              <a:rPr lang="en-US"/>
               <a:t>Click to edit Master text styles</a:t>
             </a:r>
           </a:p>
           <a:p>
             <a:pPr lvl="1"/>
             <a:r>
-              <a:rPr lang="en-US" smtClean="0"/>
+              <a:rPr lang="en-US"/>
               <a:t>Second level</a:t>
             </a:r>
           </a:p>
           <a:p>
             <a:pPr lvl="2"/>
             <a:r>
-              <a:rPr lang="en-US" smtClean="0"/>
+              <a:rPr lang="en-US"/>
               <a:t>Third level</a:t>
             </a:r>
           </a:p>
           <a:p>
             <a:pPr lvl="3"/>
             <a:r>
-              <a:rPr lang="en-US" smtClean="0"/>
+              <a:rPr lang="en-US"/>
               <a:t>Fourth level</a:t>
             </a:r>
           </a:p>
           <a:p>
             <a:pPr lvl="4"/>
             <a:r>
-              <a:rPr lang="en-US" smtClean="0"/>
+              <a:rPr lang="en-US"/>
               <a:t>Fifth level</a:t>
             </a:r>
-            <a:endParaRPr lang="en-US"/>
           </a:p>
         </p:txBody>
       </p:sp>
@@ -5998,7 +5999,7 @@
           <a:p>
             <a:pPr lvl="0"/>
             <a:r>
-              <a:rPr lang="en-US" smtClean="0"/>
+              <a:rPr lang="en-US"/>
               <a:t>Click to edit Master text styles</a:t>
             </a:r>
           </a:p>
@@ -6054,38 +6055,37 @@
           <a:p>
             <a:pPr lvl="0"/>
             <a:r>
-              <a:rPr lang="en-US" smtClean="0"/>
+              <a:rPr lang="en-US"/>
               <a:t>Click to edit Master text styles</a:t>
             </a:r>
           </a:p>
           <a:p>
             <a:pPr lvl="1"/>
             <a:r>
-              <a:rPr lang="en-US" smtClean="0"/>
+              <a:rPr lang="en-US"/>
               <a:t>Second level</a:t>
             </a:r>
           </a:p>
           <a:p>
             <a:pPr lvl="2"/>
             <a:r>
-              <a:rPr lang="en-US" smtClean="0"/>
+              <a:rPr lang="en-US"/>
               <a:t>Third level</a:t>
             </a:r>
           </a:p>
           <a:p>
             <a:pPr lvl="3"/>
             <a:r>
-              <a:rPr lang="en-US" smtClean="0"/>
+              <a:rPr lang="en-US"/>
               <a:t>Fourth level</a:t>
             </a:r>
           </a:p>
           <a:p>
             <a:pPr lvl="4"/>
             <a:r>
-              <a:rPr lang="en-US" smtClean="0"/>
+              <a:rPr lang="en-US"/>
               <a:t>Fifth level</a:t>
             </a:r>
-            <a:endParaRPr lang="en-US"/>
           </a:p>
         </p:txBody>
       </p:sp>
@@ -6221,10 +6221,9 @@
           <a:lstStyle/>
           <a:p>
             <a:r>
-              <a:rPr lang="en-US" smtClean="0"/>
+              <a:rPr lang="en-US"/>
               <a:t>Click to edit Master title style</a:t>
             </a:r>
-            <a:endParaRPr lang="en-US"/>
           </a:p>
         </p:txBody>
       </p:sp>
@@ -6485,10 +6484,9 @@
           </a:lstStyle>
           <a:p>
             <a:r>
-              <a:rPr lang="en-US" smtClean="0"/>
+              <a:rPr lang="en-US"/>
               <a:t>Click to edit Master title style</a:t>
             </a:r>
-            <a:endParaRPr lang="en-US"/>
           </a:p>
         </p:txBody>
       </p:sp>
@@ -6542,38 +6540,37 @@
           <a:p>
             <a:pPr lvl="0"/>
             <a:r>
-              <a:rPr lang="en-US" smtClean="0"/>
+              <a:rPr lang="en-US"/>
               <a:t>Click to edit Master text styles</a:t>
             </a:r>
           </a:p>
           <a:p>
             <a:pPr lvl="1"/>
             <a:r>
-              <a:rPr lang="en-US" smtClean="0"/>
+              <a:rPr lang="en-US"/>
               <a:t>Second level</a:t>
             </a:r>
           </a:p>
           <a:p>
             <a:pPr lvl="2"/>
             <a:r>
-              <a:rPr lang="en-US" smtClean="0"/>
+              <a:rPr lang="en-US"/>
               <a:t>Third level</a:t>
             </a:r>
           </a:p>
           <a:p>
             <a:pPr lvl="3"/>
             <a:r>
-              <a:rPr lang="en-US" smtClean="0"/>
+              <a:rPr lang="en-US"/>
               <a:t>Fourth level</a:t>
             </a:r>
           </a:p>
           <a:p>
             <a:pPr lvl="4"/>
             <a:r>
-              <a:rPr lang="en-US" smtClean="0"/>
+              <a:rPr lang="en-US"/>
               <a:t>Fifth level</a:t>
             </a:r>
-            <a:endParaRPr lang="en-US"/>
           </a:p>
         </p:txBody>
       </p:sp>
@@ -6636,7 +6633,7 @@
           <a:p>
             <a:pPr lvl="0"/>
             <a:r>
-              <a:rPr lang="en-US" smtClean="0"/>
+              <a:rPr lang="en-US"/>
               <a:t>Click to edit Master text styles</a:t>
             </a:r>
           </a:p>
@@ -6783,10 +6780,9 @@
           </a:lstStyle>
           <a:p>
             <a:r>
-              <a:rPr lang="en-US" smtClean="0"/>
+              <a:rPr lang="en-US"/>
               <a:t>Click to edit Master title style</a:t>
             </a:r>
-            <a:endParaRPr lang="en-US"/>
           </a:p>
         </p:txBody>
       </p:sp>
@@ -6848,7 +6844,7 @@
           </a:lstStyle>
           <a:p>
             <a:pPr lvl="0"/>
-            <a:endParaRPr lang="en-US" noProof="0" smtClean="0"/>
+            <a:endParaRPr lang="en-US" noProof="0"/>
           </a:p>
         </p:txBody>
       </p:sp>
@@ -6911,7 +6907,7 @@
           <a:p>
             <a:pPr lvl="0"/>
             <a:r>
-              <a:rPr lang="en-US" smtClean="0"/>
+              <a:rPr lang="en-US"/>
               <a:t>Click to edit Master text styles</a:t>
             </a:r>
           </a:p>
@@ -7077,7 +7073,7 @@
           <a:p>
             <a:pPr lvl="0"/>
             <a:r>
-              <a:rPr lang="en-US" smtClean="0"/>
+              <a:rPr lang="en-US"/>
               <a:t>Click to edit Master title style</a:t>
             </a:r>
           </a:p>
@@ -7119,35 +7115,35 @@
           <a:p>
             <a:pPr lvl="0"/>
             <a:r>
-              <a:rPr lang="en-US" smtClean="0"/>
+              <a:rPr lang="en-US"/>
               <a:t>Click to edit Master text styles</a:t>
             </a:r>
           </a:p>
           <a:p>
             <a:pPr lvl="1"/>
             <a:r>
-              <a:rPr lang="en-US" smtClean="0"/>
+              <a:rPr lang="en-US"/>
               <a:t>Second level</a:t>
             </a:r>
           </a:p>
           <a:p>
             <a:pPr lvl="2"/>
             <a:r>
-              <a:rPr lang="en-US" smtClean="0"/>
+              <a:rPr lang="en-US"/>
               <a:t>Third level</a:t>
             </a:r>
           </a:p>
           <a:p>
             <a:pPr lvl="3"/>
             <a:r>
-              <a:rPr lang="en-US" smtClean="0"/>
+              <a:rPr lang="en-US"/>
               <a:t>Fourth level</a:t>
             </a:r>
           </a:p>
           <a:p>
             <a:pPr lvl="4"/>
             <a:r>
-              <a:rPr lang="en-US" smtClean="0"/>
+              <a:rPr lang="en-US"/>
               <a:t>Fifth level</a:t>
             </a:r>
           </a:p>
@@ -7765,7 +7761,7 @@
           <a:lstStyle/>
           <a:p>
             <a:r>
-              <a:rPr lang="en-US" smtClean="0"/>
+              <a:rPr lang="en-US"/>
               <a:t>Linear filtering</a:t>
             </a:r>
           </a:p>
@@ -7872,13 +7868,6 @@
   <p:clrMapOvr>
     <a:masterClrMapping/>
   </p:clrMapOvr>
-  <p:timing>
-    <p:tnLst>
-      <p:par>
-        <p:cTn id="1" dur="indefinite" restart="never" nodeType="tmRoot"/>
-      </p:par>
-    </p:tnLst>
-  </p:timing>
 </p:sld>
 </file>
 
@@ -7915,7 +7904,7 @@
           <a:lstStyle/>
           <a:p>
             <a:r>
-              <a:rPr lang="en-US" smtClean="0"/>
+              <a:rPr lang="en-US"/>
               <a:t>Practice with linear filters</a:t>
             </a:r>
           </a:p>
@@ -8742,13 +8731,6 @@
   <p:clrMapOvr>
     <a:masterClrMapping/>
   </p:clrMapOvr>
-  <p:timing>
-    <p:tnLst>
-      <p:par>
-        <p:cTn id="1" dur="indefinite" restart="never" nodeType="tmRoot"/>
-      </p:par>
-    </p:tnLst>
-  </p:timing>
 </p:sld>
 </file>
 
@@ -8785,7 +8767,7 @@
           <a:lstStyle/>
           <a:p>
             <a:r>
-              <a:rPr lang="en-US" smtClean="0"/>
+              <a:rPr lang="en-US"/>
               <a:t>Practice with linear filters</a:t>
             </a:r>
           </a:p>
@@ -9654,13 +9636,6 @@
   <p:clrMapOvr>
     <a:masterClrMapping/>
   </p:clrMapOvr>
-  <p:timing>
-    <p:tnLst>
-      <p:par>
-        <p:cTn id="1" dur="indefinite" restart="never" nodeType="tmRoot"/>
-      </p:par>
-    </p:tnLst>
-  </p:timing>
 </p:sld>
 </file>
 
@@ -9697,7 +9672,7 @@
           <a:lstStyle/>
           <a:p>
             <a:r>
-              <a:rPr lang="en-US" smtClean="0"/>
+              <a:rPr lang="en-US"/>
               <a:t>Practice with linear filters</a:t>
             </a:r>
           </a:p>
@@ -10524,13 +10499,6 @@
   <p:clrMapOvr>
     <a:masterClrMapping/>
   </p:clrMapOvr>
-  <p:timing>
-    <p:tnLst>
-      <p:par>
-        <p:cTn id="1" dur="indefinite" restart="never" nodeType="tmRoot"/>
-      </p:par>
-    </p:tnLst>
-  </p:timing>
 </p:sld>
 </file>
 
@@ -10567,7 +10535,7 @@
           <a:lstStyle/>
           <a:p>
             <a:r>
-              <a:rPr lang="en-US" smtClean="0"/>
+              <a:rPr lang="en-US"/>
               <a:t>Practice with linear filters</a:t>
             </a:r>
           </a:p>
@@ -11474,13 +11442,6 @@
   <p:clrMapOvr>
     <a:masterClrMapping/>
   </p:clrMapOvr>
-  <p:timing>
-    <p:tnLst>
-      <p:par>
-        <p:cTn id="1" dur="indefinite" restart="never" nodeType="tmRoot"/>
-      </p:par>
-    </p:tnLst>
-  </p:timing>
 </p:sld>
 </file>
 
@@ -11517,7 +11478,7 @@
           <a:lstStyle/>
           <a:p>
             <a:r>
-              <a:rPr lang="en-US" smtClean="0"/>
+              <a:rPr lang="en-US"/>
               <a:t>Practice with linear filters</a:t>
             </a:r>
           </a:p>
@@ -12408,13 +12369,6 @@
   <p:clrMapOvr>
     <a:masterClrMapping/>
   </p:clrMapOvr>
-  <p:timing>
-    <p:tnLst>
-      <p:par>
-        <p:cTn id="1" dur="indefinite" restart="never" nodeType="tmRoot"/>
-      </p:par>
-    </p:tnLst>
-  </p:timing>
 </p:sld>
 </file>
 
@@ -12451,7 +12405,7 @@
           <a:lstStyle/>
           <a:p>
             <a:r>
-              <a:rPr lang="en-US" smtClean="0"/>
+              <a:rPr lang="en-US"/>
               <a:t>Practice with linear filters</a:t>
             </a:r>
           </a:p>
@@ -13384,13 +13338,6 @@
   <p:clrMapOvr>
     <a:masterClrMapping/>
   </p:clrMapOvr>
-  <p:timing>
-    <p:tnLst>
-      <p:par>
-        <p:cTn id="1" dur="indefinite" restart="never" nodeType="tmRoot"/>
-      </p:par>
-    </p:tnLst>
-  </p:timing>
 </p:sld>
 </file>
 
@@ -13427,7 +13374,7 @@
           <a:lstStyle/>
           <a:p>
             <a:r>
-              <a:rPr lang="en-US" smtClean="0"/>
+              <a:rPr lang="en-US"/>
               <a:t>Practice with linear filters</a:t>
             </a:r>
           </a:p>
@@ -15063,13 +15010,6 @@
   <p:clrMapOvr>
     <a:masterClrMapping/>
   </p:clrMapOvr>
-  <p:timing>
-    <p:tnLst>
-      <p:par>
-        <p:cTn id="1" dur="indefinite" restart="never" nodeType="tmRoot"/>
-      </p:par>
-    </p:tnLst>
-  </p:timing>
 </p:sld>
 </file>
 
@@ -15106,7 +15046,7 @@
           <a:lstStyle/>
           <a:p>
             <a:r>
-              <a:rPr lang="en-US" smtClean="0"/>
+              <a:rPr lang="en-US"/>
               <a:t>Practice with linear filters</a:t>
             </a:r>
           </a:p>
@@ -16743,13 +16683,6 @@
   <p:clrMapOvr>
     <a:masterClrMapping/>
   </p:clrMapOvr>
-  <p:timing>
-    <p:tnLst>
-      <p:par>
-        <p:cTn id="1" dur="indefinite" restart="never" nodeType="tmRoot"/>
-      </p:par>
-    </p:tnLst>
-  </p:timing>
 </p:sld>
 </file>
 
@@ -16818,7 +16751,7 @@
           <a:lstStyle/>
           <a:p>
             <a:r>
-              <a:rPr lang="en-US" smtClean="0"/>
+              <a:rPr lang="en-US"/>
               <a:t>Sharpening</a:t>
             </a:r>
           </a:p>
@@ -16866,13 +16799,6 @@
   <p:clrMapOvr>
     <a:masterClrMapping/>
   </p:clrMapOvr>
-  <p:timing>
-    <p:tnLst>
-      <p:par>
-        <p:cTn id="1" dur="indefinite" restart="never" nodeType="tmRoot"/>
-      </p:par>
-    </p:tnLst>
-  </p:timing>
 </p:sld>
 </file>
 
@@ -16909,7 +16835,7 @@
           <a:lstStyle/>
           <a:p>
             <a:r>
-              <a:rPr lang="en-US" smtClean="0"/>
+              <a:rPr lang="en-US"/>
               <a:t>Sharpening</a:t>
             </a:r>
           </a:p>
@@ -16936,7 +16862,7 @@
           <a:lstStyle/>
           <a:p>
             <a:r>
-              <a:rPr lang="en-US" smtClean="0"/>
+              <a:rPr lang="en-US"/>
               <a:t>What does blurring take away?</a:t>
             </a:r>
           </a:p>
@@ -17931,14 +17857,14 @@
           <a:lstStyle/>
           <a:p>
             <a:r>
-              <a:rPr lang="en-US" dirty="0" smtClean="0"/>
+              <a:rPr lang="en-US" dirty="0"/>
               <a:t>Motivation: Image </a:t>
             </a:r>
             <a:r>
-              <a:rPr lang="en-US" dirty="0" err="1" smtClean="0"/>
+              <a:rPr lang="en-US" dirty="0" err="1"/>
               <a:t>denoising</a:t>
             </a:r>
-            <a:endParaRPr lang="en-US" dirty="0" smtClean="0"/>
+            <a:endParaRPr lang="en-US" dirty="0"/>
           </a:p>
         </p:txBody>
       </p:sp>
@@ -17948,7 +17874,11 @@
           <p:cNvGraphicFramePr>
             <a:graphicFrameLocks noChangeAspect="1"/>
           </p:cNvGraphicFramePr>
-          <p:nvPr/>
+          <p:nvPr>
+            <p:custDataLst>
+              <p:tags r:id="rId3"/>
+            </p:custDataLst>
+          </p:nvPr>
         </p:nvGraphicFramePr>
         <p:xfrm>
           <a:off x="0" y="0"/>
@@ -17956,9 +17886,59 @@
         </p:xfrm>
         <a:graphic>
           <a:graphicData uri="http://schemas.openxmlformats.org/presentationml/2006/ole">
-            <p:oleObj spid="_x0000_s1044" name="Equation" r:id="rId6" imgW="435285" imgH="677109" progId="">
-              <p:embed/>
-            </p:oleObj>
+            <mc:AlternateContent xmlns:mc="http://schemas.openxmlformats.org/markup-compatibility/2006">
+              <mc:Choice xmlns:v="urn:schemas-microsoft-com:vml" Requires="v">
+                <p:oleObj spid="_x0000_s1045" name="Equation" r:id="rId7" imgW="435285" imgH="677109" progId="">
+                  <p:embed/>
+                </p:oleObj>
+              </mc:Choice>
+              <mc:Fallback>
+                <p:oleObj name="Equation" r:id="rId7" imgW="435285" imgH="677109" progId="">
+                  <p:embed/>
+                  <p:pic>
+                    <p:nvPicPr>
+                      <p:cNvPr id="0" name="Picture 20"/>
+                      <p:cNvPicPr>
+                        <a:picLocks noChangeAspect="1" noChangeArrowheads="1"/>
+                      </p:cNvPicPr>
+                      <p:nvPr/>
+                    </p:nvPicPr>
+                    <p:blipFill>
+                      <a:blip r:embed="rId8">
+                        <a:extLst>
+                          <a:ext uri="{28A0092B-C50C-407E-A947-70E740481C1C}">
+                            <a14:useLocalDpi xmlns:a14="http://schemas.microsoft.com/office/drawing/2010/main" val="0"/>
+                          </a:ext>
+                        </a:extLst>
+                      </a:blip>
+                      <a:srcRect/>
+                      <a:stretch>
+                        <a:fillRect/>
+                      </a:stretch>
+                    </p:blipFill>
+                    <p:spPr bwMode="auto">
+                      <a:xfrm>
+                        <a:off x="0" y="0"/>
+                        <a:ext cx="1219200" cy="149225"/>
+                      </a:xfrm>
+                      <a:prstGeom prst="rect">
+                        <a:avLst/>
+                      </a:prstGeom>
+                      <a:noFill/>
+                      <a:extLst>
+                        <a:ext uri="{909E8E84-426E-40DD-AFC4-6F175D3DCCD1}">
+                          <a14:hiddenFill xmlns:a14="http://schemas.microsoft.com/office/drawing/2010/main">
+                            <a:solidFill>
+                              <a:srgbClr val="FFFFFF"/>
+                            </a:solidFill>
+                          </a14:hiddenFill>
+                        </a:ext>
+                      </a:extLst>
+                    </p:spPr>
+                  </p:pic>
+                </p:oleObj>
+              </mc:Fallback>
+            </mc:AlternateContent>
           </a:graphicData>
         </a:graphic>
       </p:graphicFrame>
@@ -17970,12 +17950,12 @@
           </p:cNvPicPr>
           <p:nvPr>
             <p:custDataLst>
-              <p:tags r:id="rId3"/>
+              <p:tags r:id="rId4"/>
             </p:custDataLst>
           </p:nvPr>
         </p:nvPicPr>
         <p:blipFill>
-          <a:blip r:embed="rId7" cstate="print">
+          <a:blip r:embed="rId9" cstate="print">
             <a:lum bright="24000" contrast="30000"/>
           </a:blip>
           <a:srcRect/>
@@ -18029,7 +18009,7 @@
               <a:buChar char="•"/>
             </a:pPr>
             <a:r>
-              <a:rPr lang="en-US" dirty="0" smtClean="0"/>
+              <a:rPr lang="en-US" dirty="0"/>
               <a:t>How can we reduce noise in a photograph?</a:t>
             </a:r>
           </a:p>
@@ -18040,13 +18020,6 @@
   <p:clrMapOvr>
     <a:masterClrMapping/>
   </p:clrMapOvr>
-  <p:timing>
-    <p:tnLst>
-      <p:par>
-        <p:cTn id="1" dur="indefinite" restart="never" nodeType="tmRoot"/>
-      </p:par>
-    </p:tnLst>
-  </p:timing>
 </p:sld>
 </file>
 
@@ -18083,7 +18056,7 @@
           <a:lstStyle/>
           <a:p>
             <a:r>
-              <a:rPr lang="en-US" smtClean="0"/>
+              <a:rPr lang="en-US"/>
               <a:t>Smoothing with box filter revisited</a:t>
             </a:r>
           </a:p>
@@ -18114,7 +18087,7 @@
               <a:buChar char="•"/>
             </a:pPr>
             <a:r>
-              <a:rPr lang="en-US" dirty="0" smtClean="0"/>
+              <a:rPr lang="en-US" dirty="0"/>
               <a:t>What’s wrong with this picture?</a:t>
             </a:r>
           </a:p>
@@ -18124,7 +18097,7 @@
               <a:buChar char="•"/>
             </a:pPr>
             <a:r>
-              <a:rPr lang="en-US" dirty="0" smtClean="0"/>
+              <a:rPr lang="en-US" dirty="0"/>
               <a:t>What’s the solution?</a:t>
             </a:r>
           </a:p>
@@ -18438,7 +18411,7 @@
           <a:lstStyle/>
           <a:p>
             <a:r>
-              <a:rPr lang="en-US" smtClean="0"/>
+              <a:rPr lang="en-US"/>
               <a:t>Smoothing with box filter revisited</a:t>
             </a:r>
           </a:p>
@@ -18469,7 +18442,7 @@
               <a:buChar char="•"/>
             </a:pPr>
             <a:r>
-              <a:rPr lang="en-US" dirty="0" smtClean="0"/>
+              <a:rPr lang="en-US" dirty="0"/>
               <a:t>What’s wrong with this picture?</a:t>
             </a:r>
           </a:p>
@@ -18479,14 +18452,14 @@
               <a:buChar char="•"/>
             </a:pPr>
             <a:r>
-              <a:rPr lang="en-US" dirty="0" smtClean="0"/>
+              <a:rPr lang="en-US" dirty="0"/>
               <a:t>What’s the solution?</a:t>
             </a:r>
           </a:p>
           <a:p>
             <a:pPr lvl="1"/>
             <a:r>
-              <a:rPr lang="en-US" sz="2400" dirty="0" smtClean="0"/>
+              <a:rPr lang="en-US" sz="2400" dirty="0"/>
               <a:t>To eliminate edge effects, weight contribution of neighborhood pixels according to their closeness to the center</a:t>
             </a:r>
           </a:p>
@@ -18566,13 +18539,6 @@
   <p:clrMapOvr>
     <a:masterClrMapping/>
   </p:clrMapOvr>
-  <p:timing>
-    <p:tnLst>
-      <p:par>
-        <p:cTn id="1" dur="indefinite" restart="never" nodeType="tmRoot"/>
-      </p:par>
-    </p:tnLst>
-  </p:timing>
 </p:sld>
 </file>
 
@@ -18614,7 +18580,7 @@
           <a:lstStyle/>
           <a:p>
             <a:r>
-              <a:rPr lang="en-US" smtClean="0"/>
+              <a:rPr lang="en-US"/>
               <a:t>Gaussian Kernel</a:t>
             </a:r>
           </a:p>
@@ -18645,10 +18611,10 @@
               <a:buChar char="•"/>
             </a:pPr>
             <a:r>
-              <a:rPr lang="en-US" sz="2400" dirty="0" smtClean="0"/>
+              <a:rPr lang="en-US" sz="2400" dirty="0"/>
               <a:t>Constant factor at front makes volume sum to 1 (can be ignored when computing the filter values, as we should renormalize weights to sum to 1 in any case)</a:t>
             </a:r>
-            <a:endParaRPr lang="en-US" sz="2400" dirty="0" smtClean="0">
+            <a:endParaRPr lang="en-US" sz="2400" dirty="0">
               <a:latin typeface="Courier New" pitchFamily="49" charset="0"/>
             </a:endParaRPr>
           </a:p>
@@ -19088,7 +19054,7 @@
           <a:lstStyle/>
           <a:p>
             <a:r>
-              <a:rPr lang="en-US" smtClean="0"/>
+              <a:rPr lang="en-US"/>
               <a:t>Gaussian Kernel</a:t>
             </a:r>
           </a:p>
@@ -19119,16 +19085,16 @@
               <a:buChar char="•"/>
             </a:pPr>
             <a:r>
-              <a:rPr lang="en-US" sz="2400" dirty="0" smtClean="0"/>
+              <a:rPr lang="en-US" sz="2400" dirty="0"/>
               <a:t>Standard deviation </a:t>
             </a:r>
             <a:r>
-              <a:rPr lang="en-US" sz="2400" dirty="0" smtClean="0">
+              <a:rPr lang="en-US" sz="2400" dirty="0">
                 <a:sym typeface="Symbol"/>
               </a:rPr>
               <a:t>: determines extent of smoothing</a:t>
             </a:r>
-            <a:endParaRPr lang="en-US" sz="2400" dirty="0" smtClean="0">
+            <a:endParaRPr lang="en-US" sz="2400" dirty="0">
               <a:latin typeface="Courier New" pitchFamily="49" charset="0"/>
             </a:endParaRPr>
           </a:p>
@@ -19213,14 +19179,10 @@
           <a:p>
             <a:r>
               <a:rPr lang="en-US" sz="1400" dirty="0"/>
-              <a:t>Source: </a:t>
-            </a:r>
-            <a:r>
-              <a:rPr lang="en-US" sz="1400" dirty="0" smtClean="0"/>
-              <a:t>K. </a:t>
-            </a:r>
-            <a:r>
-              <a:rPr lang="en-US" sz="1400" dirty="0" err="1" smtClean="0"/>
+              <a:t>Source: K. </a:t>
+            </a:r>
+            <a:r>
+              <a:rPr lang="en-US" sz="1400" dirty="0" err="1"/>
               <a:t>Grauman</a:t>
             </a:r>
             <a:endParaRPr lang="en-US" dirty="0"/>
@@ -19497,13 +19459,6 @@
   <p:clrMapOvr>
     <a:masterClrMapping/>
   </p:clrMapOvr>
-  <p:timing>
-    <p:tnLst>
-      <p:par>
-        <p:cTn id="1" dur="indefinite" restart="never" nodeType="tmRoot"/>
-      </p:par>
-    </p:tnLst>
-  </p:timing>
 </p:sld>
 </file>
 
@@ -19540,7 +19495,7 @@
           <a:lstStyle/>
           <a:p>
             <a:r>
-              <a:rPr lang="en-US" smtClean="0"/>
+              <a:rPr lang="en-US"/>
               <a:t>Choosing kernel width</a:t>
             </a:r>
           </a:p>
@@ -19566,7 +19521,7 @@
               <a:buChar char="•"/>
             </a:pPr>
             <a:r>
-              <a:rPr lang="en-US" dirty="0" smtClean="0"/>
+              <a:rPr lang="en-US" dirty="0"/>
               <a:t>The Gaussian function has infinite support, but discrete filters use finite kernels</a:t>
             </a:r>
           </a:p>
@@ -19646,13 +19601,6 @@
   <p:clrMapOvr>
     <a:masterClrMapping/>
   </p:clrMapOvr>
-  <p:timing>
-    <p:tnLst>
-      <p:par>
-        <p:cTn id="1" dur="indefinite" restart="never" nodeType="tmRoot"/>
-      </p:par>
-    </p:tnLst>
-  </p:timing>
 </p:sld>
 </file>
 
@@ -19689,7 +19637,7 @@
           <a:lstStyle/>
           <a:p>
             <a:r>
-              <a:rPr lang="en-US" smtClean="0"/>
+              <a:rPr lang="en-US"/>
               <a:t>Choosing kernel width</a:t>
             </a:r>
           </a:p>
@@ -19720,11 +19668,11 @@
               <a:buChar char="•"/>
             </a:pPr>
             <a:r>
-              <a:rPr lang="en-US" dirty="0" smtClean="0"/>
+              <a:rPr lang="en-US" dirty="0"/>
               <a:t>Rule of thumb: set filter half-width to about </a:t>
             </a:r>
             <a:r>
-              <a:rPr lang="en-US" dirty="0" smtClean="0">
+              <a:rPr lang="en-US" dirty="0">
                 <a:solidFill>
                   <a:srgbClr val="0000FF"/>
                 </a:solidFill>
@@ -19732,21 +19680,21 @@
               <a:t>3</a:t>
             </a:r>
             <a:r>
-              <a:rPr lang="en-US" i="1" dirty="0" smtClean="0">
+              <a:rPr lang="en-US" i="1" dirty="0">
                 <a:solidFill>
                   <a:srgbClr val="0000FF"/>
                 </a:solidFill>
               </a:rPr>
               <a:t>σ</a:t>
             </a:r>
-            <a:endParaRPr lang="en-US" dirty="0" smtClean="0">
+            <a:endParaRPr lang="en-US" dirty="0">
               <a:solidFill>
                 <a:srgbClr val="0000FF"/>
               </a:solidFill>
             </a:endParaRPr>
           </a:p>
           <a:p>
-            <a:endParaRPr lang="en-US" dirty="0" smtClean="0"/>
+            <a:endParaRPr lang="en-US" dirty="0"/>
           </a:p>
         </p:txBody>
       </p:sp>
@@ -19787,13 +19735,6 @@
   <p:clrMapOvr>
     <a:masterClrMapping/>
   </p:clrMapOvr>
-  <p:timing>
-    <p:tnLst>
-      <p:par>
-        <p:cTn id="1" dur="indefinite" restart="never" nodeType="tmRoot"/>
-      </p:par>
-    </p:tnLst>
-  </p:timing>
 </p:sld>
 </file>
 
@@ -19830,7 +19771,7 @@
           <a:lstStyle/>
           <a:p>
             <a:r>
-              <a:rPr lang="en-US" dirty="0" smtClean="0"/>
+              <a:rPr lang="en-US" dirty="0"/>
               <a:t>Gaussian vs. box filtering</a:t>
             </a:r>
           </a:p>
@@ -19850,9 +19791,82 @@
         </p:xfrm>
         <a:graphic>
           <a:graphicData uri="http://schemas.openxmlformats.org/presentationml/2006/ole">
-            <p:oleObj spid="_x0000_s3092" name="Photo Editor Photo" r:id="rId4" imgW="3828571" imgH="3572374" progId="">
-              <p:embed/>
-            </p:oleObj>
+            <mc:AlternateContent xmlns:mc="http://schemas.openxmlformats.org/markup-compatibility/2006">
+              <mc:Choice xmlns:v="urn:schemas-microsoft-com:vml" Requires="v">
+                <p:oleObj spid="_x0000_s3093" name="Photo Editor Photo" r:id="rId4" imgW="3828571" imgH="3572374" progId="">
+                  <p:embed/>
+                </p:oleObj>
+              </mc:Choice>
+              <mc:Fallback>
+                <p:oleObj name="Photo Editor Photo" r:id="rId4" imgW="3828571" imgH="3572374" progId="">
+                  <p:embed/>
+                  <p:pic>
+                    <p:nvPicPr>
+                      <p:cNvPr id="0" name="Picture 20"/>
+                      <p:cNvPicPr>
+                        <a:picLocks noChangeAspect="1" noChangeArrowheads="1"/>
+                      </p:cNvPicPr>
+                      <p:nvPr/>
+                    </p:nvPicPr>
+                    <p:blipFill>
+                      <a:blip r:embed="rId5">
+                        <a:extLst>
+                          <a:ext uri="{28A0092B-C50C-407E-A947-70E740481C1C}">
+                            <a14:useLocalDpi xmlns:a14="http://schemas.microsoft.com/office/drawing/2010/main" val="0"/>
+                          </a:ext>
+                        </a:extLst>
+                      </a:blip>
+                      <a:srcRect/>
+                      <a:stretch>
+                        <a:fillRect/>
+                      </a:stretch>
+                    </p:blipFill>
+                    <p:spPr bwMode="auto">
+                      <a:xfrm>
+                        <a:off x="1295400" y="914400"/>
+                        <a:ext cx="6324600" cy="5867400"/>
+                      </a:xfrm>
+                      <a:prstGeom prst="rect">
+                        <a:avLst/>
+                      </a:prstGeom>
+                      <a:noFill/>
+                      <a:ln>
+                        <a:noFill/>
+                      </a:ln>
+                      <a:effectLst/>
+                      <a:extLst>
+                        <a:ext uri="{909E8E84-426E-40DD-AFC4-6F175D3DCCD1}">
+                          <a14:hiddenFill xmlns:a14="http://schemas.microsoft.com/office/drawing/2010/main">
+                            <a:solidFill>
+                              <a:schemeClr val="accent1"/>
+                            </a:solidFill>
+                          </a14:hiddenFill>
+                        </a:ext>
+                        <a:ext uri="{91240B29-F687-4F45-9708-019B960494DF}">
+                          <a14:hiddenLine xmlns:a14="http://schemas.microsoft.com/office/drawing/2010/main" w="9525">
+                            <a:solidFill>
+                              <a:schemeClr val="tx1"/>
+                            </a:solidFill>
+                            <a:miter lim="800000"/>
+                            <a:headEnd/>
+                            <a:tailEnd/>
+                          </a14:hiddenLine>
+                        </a:ext>
+                        <a:ext uri="{AF507438-7753-43E0-B8FC-AC1667EBCBE1}">
+                          <a14:hiddenEffects xmlns:a14="http://schemas.microsoft.com/office/drawing/2010/main">
+                            <a:effectLst>
+                              <a:outerShdw dist="35921" dir="2700000" algn="ctr" rotWithShape="0">
+                                <a:schemeClr val="bg2"/>
+                              </a:outerShdw>
+                            </a:effectLst>
+                          </a14:hiddenEffects>
+                        </a:ext>
+                      </a:extLst>
+                    </p:spPr>
+                  </p:pic>
+                </p:oleObj>
+              </mc:Fallback>
+            </mc:AlternateContent>
           </a:graphicData>
         </a:graphic>
       </p:graphicFrame>
@@ -19861,13 +19875,6 @@
   <p:clrMapOvr>
     <a:masterClrMapping/>
   </p:clrMapOvr>
-  <p:timing>
-    <p:tnLst>
-      <p:par>
-        <p:cTn id="1" dur="indefinite" restart="never" nodeType="tmRoot"/>
-      </p:par>
-    </p:tnLst>
-  </p:timing>
 </p:sld>
 </file>
 
@@ -19904,7 +19911,7 @@
           <a:lstStyle/>
           <a:p>
             <a:r>
-              <a:rPr lang="en-US" smtClean="0"/>
+              <a:rPr lang="en-US"/>
               <a:t>Gaussian filters</a:t>
             </a:r>
           </a:p>
@@ -19930,15 +19937,15 @@
               <a:buChar char="•"/>
             </a:pPr>
             <a:r>
-              <a:rPr lang="en-US" dirty="0" smtClean="0"/>
+              <a:rPr lang="en-US" dirty="0"/>
               <a:t>Remove high-frequency components from the image (</a:t>
             </a:r>
             <a:r>
-              <a:rPr lang="en-US" i="1" dirty="0" smtClean="0"/>
+              <a:rPr lang="en-US" i="1" dirty="0"/>
               <a:t>low-pass filter</a:t>
             </a:r>
             <a:r>
-              <a:rPr lang="en-US" dirty="0" smtClean="0"/>
+              <a:rPr lang="en-US" dirty="0"/>
               <a:t>)</a:t>
             </a:r>
           </a:p>
@@ -19948,59 +19955,59 @@
               <a:buChar char="•"/>
             </a:pPr>
             <a:r>
-              <a:rPr lang="en-US" dirty="0" smtClean="0"/>
+              <a:rPr lang="en-US" dirty="0"/>
               <a:t>Convolution with self is another Gaussian</a:t>
             </a:r>
           </a:p>
           <a:p>
             <a:pPr lvl="1"/>
             <a:r>
-              <a:rPr lang="en-US" dirty="0" smtClean="0"/>
+              <a:rPr lang="en-US" dirty="0"/>
               <a:t>So can smooth with small-</a:t>
             </a:r>
             <a:r>
-              <a:rPr lang="en-US" dirty="0" smtClean="0">
+              <a:rPr lang="en-US" dirty="0">
                 <a:sym typeface="Symbol"/>
               </a:rPr>
               <a:t></a:t>
             </a:r>
             <a:r>
-              <a:rPr lang="en-US" dirty="0" smtClean="0"/>
+              <a:rPr lang="en-US" dirty="0"/>
               <a:t> kernel, repeat, and get same result as larger</a:t>
             </a:r>
             <a:r>
-              <a:rPr lang="en-US" dirty="0" smtClean="0">
+              <a:rPr lang="en-US" dirty="0">
                 <a:sym typeface="Symbol"/>
               </a:rPr>
               <a:t>-</a:t>
             </a:r>
             <a:r>
-              <a:rPr lang="en-US" dirty="0" smtClean="0"/>
+              <a:rPr lang="en-US" dirty="0"/>
               <a:t> kernel would have</a:t>
             </a:r>
           </a:p>
           <a:p>
             <a:pPr lvl="1"/>
             <a:r>
-              <a:rPr lang="en-US" dirty="0" smtClean="0"/>
+              <a:rPr lang="en-US" dirty="0"/>
               <a:t>Convolving two times with Gaussian kernel with std. dev. </a:t>
             </a:r>
             <a:r>
-              <a:rPr lang="en-US" i="1" dirty="0" smtClean="0"/>
+              <a:rPr lang="en-US" i="1" dirty="0"/>
               <a:t>σ</a:t>
             </a:r>
             <a:r>
-              <a:rPr lang="en-US" dirty="0" smtClean="0"/>
+              <a:rPr lang="en-US" dirty="0"/>
               <a:t> </a:t>
             </a:r>
             <a:br>
-              <a:rPr lang="en-US" dirty="0" smtClean="0"/>
+              <a:rPr lang="en-US" dirty="0"/>
             </a:br>
             <a:r>
-              <a:rPr lang="en-US" dirty="0" smtClean="0"/>
+              <a:rPr lang="en-US" dirty="0"/>
               <a:t>is same as convolving once with kernel with std. dev. </a:t>
             </a:r>
-            <a:endParaRPr lang="en-US" i="1" dirty="0" smtClean="0"/>
+            <a:endParaRPr lang="en-US" i="1" dirty="0"/>
           </a:p>
           <a:p>
             <a:pPr>
@@ -20008,25 +20015,25 @@
               <a:buChar char="•"/>
             </a:pPr>
             <a:r>
-              <a:rPr lang="en-US" i="1" dirty="0" smtClean="0"/>
+              <a:rPr lang="en-US" i="1" dirty="0"/>
               <a:t>Separable </a:t>
             </a:r>
             <a:r>
-              <a:rPr lang="en-US" dirty="0" smtClean="0"/>
+              <a:rPr lang="en-US" dirty="0"/>
               <a:t>kernel</a:t>
             </a:r>
           </a:p>
           <a:p>
             <a:pPr lvl="1"/>
             <a:r>
-              <a:rPr lang="en-US" dirty="0" smtClean="0"/>
+              <a:rPr lang="en-US" dirty="0"/>
               <a:t>Factors into product of two 1D Gaussians</a:t>
             </a:r>
           </a:p>
           <a:p>
             <a:pPr lvl="1"/>
             <a:r>
-              <a:rPr lang="en-US" dirty="0" smtClean="0"/>
+              <a:rPr lang="en-US" dirty="0"/>
               <a:t>Discrete example:</a:t>
             </a:r>
           </a:p>
@@ -20083,9 +20090,59 @@
         </p:xfrm>
         <a:graphic>
           <a:graphicData uri="http://schemas.openxmlformats.org/presentationml/2006/ole">
-            <p:oleObj spid="_x0000_s76828" name="Equation" r:id="rId4" imgW="342603" imgH="215713" progId="">
-              <p:embed/>
-            </p:oleObj>
+            <mc:AlternateContent xmlns:mc="http://schemas.openxmlformats.org/markup-compatibility/2006">
+              <mc:Choice xmlns:v="urn:schemas-microsoft-com:vml" Requires="v">
+                <p:oleObj spid="_x0000_s76830" name="Equation" r:id="rId4" imgW="342603" imgH="215713" progId="">
+                  <p:embed/>
+                </p:oleObj>
+              </mc:Choice>
+              <mc:Fallback>
+                <p:oleObj name="Equation" r:id="rId4" imgW="342603" imgH="215713" progId="">
+                  <p:embed/>
+                  <p:pic>
+                    <p:nvPicPr>
+                      <p:cNvPr id="0" name="Picture 28"/>
+                      <p:cNvPicPr>
+                        <a:picLocks noChangeAspect="1" noChangeArrowheads="1"/>
+                      </p:cNvPicPr>
+                      <p:nvPr/>
+                    </p:nvPicPr>
+                    <p:blipFill>
+                      <a:blip r:embed="rId5">
+                        <a:extLst>
+                          <a:ext uri="{28A0092B-C50C-407E-A947-70E740481C1C}">
+                            <a14:useLocalDpi xmlns:a14="http://schemas.microsoft.com/office/drawing/2010/main" val="0"/>
+                          </a:ext>
+                        </a:extLst>
+                      </a:blip>
+                      <a:srcRect/>
+                      <a:stretch>
+                        <a:fillRect/>
+                      </a:stretch>
+                    </p:blipFill>
+                    <p:spPr bwMode="auto">
+                      <a:xfrm>
+                        <a:off x="7472082" y="3276600"/>
+                        <a:ext cx="605118" cy="381000"/>
+                      </a:xfrm>
+                      <a:prstGeom prst="rect">
+                        <a:avLst/>
+                      </a:prstGeom>
+                      <a:noFill/>
+                      <a:extLst>
+                        <a:ext uri="{909E8E84-426E-40DD-AFC4-6F175D3DCCD1}">
+                          <a14:hiddenFill xmlns:a14="http://schemas.microsoft.com/office/drawing/2010/main">
+                            <a:solidFill>
+                              <a:srgbClr val="FFFFFF"/>
+                            </a:solidFill>
+                          </a14:hiddenFill>
+                        </a:ext>
+                      </a:extLst>
+                    </p:spPr>
+                  </p:pic>
+                </p:oleObj>
+              </mc:Fallback>
+            </mc:AlternateContent>
           </a:graphicData>
         </a:graphic>
       </p:graphicFrame>
@@ -20098,7 +20155,7 @@
           <p:nvPr>
             <p:extLst>
               <p:ext uri="{D42A27DB-BD31-4B8C-83A1-F6EECF244321}">
-                <p14:modId xmlns="" xmlns:p14="http://schemas.microsoft.com/office/powerpoint/2010/main" val="2936363735"/>
+                <p14:modId xmlns:p14="http://schemas.microsoft.com/office/powerpoint/2010/main" val="2936363735"/>
               </p:ext>
             </p:extLst>
           </p:nvPr>
@@ -20109,9 +20166,59 @@
         </p:xfrm>
         <a:graphic>
           <a:graphicData uri="http://schemas.openxmlformats.org/presentationml/2006/ole">
-            <p:oleObj spid="_x0000_s76829" name="Equation" r:id="rId5" imgW="1587240" imgH="711000" progId="">
-              <p:embed/>
-            </p:oleObj>
+            <mc:AlternateContent xmlns:mc="http://schemas.openxmlformats.org/markup-compatibility/2006">
+              <mc:Choice xmlns:v="urn:schemas-microsoft-com:vml" Requires="v">
+                <p:oleObj spid="_x0000_s76831" name="Equation" r:id="rId6" imgW="1587240" imgH="711000" progId="">
+                  <p:embed/>
+                </p:oleObj>
+              </mc:Choice>
+              <mc:Fallback>
+                <p:oleObj name="Equation" r:id="rId6" imgW="1587240" imgH="711000" progId="">
+                  <p:embed/>
+                  <p:pic>
+                    <p:nvPicPr>
+                      <p:cNvPr id="0" name="Picture 29"/>
+                      <p:cNvPicPr>
+                        <a:picLocks noChangeAspect="1" noChangeArrowheads="1"/>
+                      </p:cNvPicPr>
+                      <p:nvPr/>
+                    </p:nvPicPr>
+                    <p:blipFill>
+                      <a:blip r:embed="rId7">
+                        <a:extLst>
+                          <a:ext uri="{28A0092B-C50C-407E-A947-70E740481C1C}">
+                            <a14:useLocalDpi xmlns:a14="http://schemas.microsoft.com/office/drawing/2010/main" val="0"/>
+                          </a:ext>
+                        </a:extLst>
+                      </a:blip>
+                      <a:srcRect/>
+                      <a:stretch>
+                        <a:fillRect/>
+                      </a:stretch>
+                    </p:blipFill>
+                    <p:spPr bwMode="auto">
+                      <a:xfrm>
+                        <a:off x="2805793" y="5181600"/>
+                        <a:ext cx="3061607" cy="1371600"/>
+                      </a:xfrm>
+                      <a:prstGeom prst="rect">
+                        <a:avLst/>
+                      </a:prstGeom>
+                      <a:noFill/>
+                      <a:extLst>
+                        <a:ext uri="{909E8E84-426E-40DD-AFC4-6F175D3DCCD1}">
+                          <a14:hiddenFill xmlns:a14="http://schemas.microsoft.com/office/drawing/2010/main">
+                            <a:solidFill>
+                              <a:srgbClr val="FFFFFF"/>
+                            </a:solidFill>
+                          </a14:hiddenFill>
+                        </a:ext>
+                      </a:extLst>
+                    </p:spPr>
+                  </p:pic>
+                </p:oleObj>
+              </mc:Fallback>
+            </mc:AlternateContent>
           </a:graphicData>
         </a:graphic>
       </p:graphicFrame>
@@ -20519,7 +20626,7 @@
           <a:lstStyle/>
           <a:p>
             <a:r>
-              <a:rPr lang="en-US" smtClean="0"/>
+              <a:rPr lang="en-US"/>
               <a:t>Separability of the Gaussian filter</a:t>
             </a:r>
           </a:p>
@@ -20540,7 +20647,7 @@
           <a:bodyPr/>
           <a:lstStyle/>
           <a:p>
-            <a:endParaRPr lang="en-US" smtClean="0"/>
+            <a:endParaRPr lang="en-US"/>
           </a:p>
         </p:txBody>
       </p:sp>
@@ -20618,13 +20725,6 @@
   <p:clrMapOvr>
     <a:masterClrMapping/>
   </p:clrMapOvr>
-  <p:timing>
-    <p:tnLst>
-      <p:par>
-        <p:cTn id="1" dur="indefinite" restart="never" nodeType="tmRoot"/>
-      </p:par>
-    </p:tnLst>
-  </p:timing>
 </p:sld>
 </file>
 
@@ -20661,15 +20761,15 @@
           <a:lstStyle/>
           <a:p>
             <a:r>
-              <a:rPr lang="en-US" dirty="0" smtClean="0"/>
+              <a:rPr lang="en-US" dirty="0"/>
               <a:t>Why is </a:t>
             </a:r>
             <a:r>
-              <a:rPr lang="en-US" dirty="0" err="1" smtClean="0"/>
+              <a:rPr lang="en-US" dirty="0" err="1"/>
               <a:t>separability</a:t>
             </a:r>
             <a:r>
-              <a:rPr lang="en-US" dirty="0" smtClean="0"/>
+              <a:rPr lang="en-US" dirty="0"/>
               <a:t> useful?</a:t>
             </a:r>
           </a:p>
@@ -20695,11 +20795,11 @@
               <a:buChar char="•"/>
             </a:pPr>
             <a:r>
-              <a:rPr lang="en-US" dirty="0" err="1" smtClean="0"/>
+              <a:rPr lang="en-US" dirty="0" err="1"/>
               <a:t>Separability</a:t>
             </a:r>
             <a:r>
-              <a:rPr lang="en-US" dirty="0" smtClean="0"/>
+              <a:rPr lang="en-US" dirty="0"/>
               <a:t> means that a 2D convolution can be reduced to two 1D convolutions (one among rows and one among columns)</a:t>
             </a:r>
           </a:p>
@@ -20709,11 +20809,11 @@
               <a:buChar char="•"/>
             </a:pPr>
             <a:r>
-              <a:rPr lang="en-US" dirty="0" smtClean="0"/>
+              <a:rPr lang="en-US" dirty="0"/>
               <a:t>What is the complexity of filtering an </a:t>
             </a:r>
             <a:r>
-              <a:rPr lang="en-US" dirty="0" err="1" smtClean="0">
+              <a:rPr lang="en-US" dirty="0" err="1">
                 <a:solidFill>
                   <a:srgbClr val="0000FF"/>
                 </a:solidFill>
@@ -20721,7 +20821,7 @@
               <a:t>n</a:t>
             </a:r>
             <a:r>
-              <a:rPr lang="en-US" dirty="0" err="1" smtClean="0">
+              <a:rPr lang="en-US" dirty="0" err="1">
                 <a:solidFill>
                   <a:srgbClr val="0000FF"/>
                 </a:solidFill>
@@ -20731,7 +20831,7 @@
               <a:t>×</a:t>
             </a:r>
             <a:r>
-              <a:rPr lang="en-US" dirty="0" err="1" smtClean="0">
+              <a:rPr lang="en-US" dirty="0" err="1">
                 <a:solidFill>
                   <a:srgbClr val="0000FF"/>
                 </a:solidFill>
@@ -20739,11 +20839,11 @@
               <a:t>n</a:t>
             </a:r>
             <a:r>
-              <a:rPr lang="en-US" dirty="0" smtClean="0"/>
+              <a:rPr lang="en-US" dirty="0"/>
               <a:t> image with an </a:t>
             </a:r>
             <a:r>
-              <a:rPr lang="en-US" dirty="0" err="1" smtClean="0">
+              <a:rPr lang="en-US" dirty="0" err="1">
                 <a:solidFill>
                   <a:srgbClr val="0000FF"/>
                 </a:solidFill>
@@ -20751,7 +20851,7 @@
               <a:t>m</a:t>
             </a:r>
             <a:r>
-              <a:rPr lang="en-US" dirty="0" err="1" smtClean="0">
+              <a:rPr lang="en-US" dirty="0" err="1">
                 <a:solidFill>
                   <a:srgbClr val="0000FF"/>
                 </a:solidFill>
@@ -20761,7 +20861,7 @@
               <a:t>×</a:t>
             </a:r>
             <a:r>
-              <a:rPr lang="en-US" dirty="0" err="1" smtClean="0">
+              <a:rPr lang="en-US" dirty="0" err="1">
                 <a:solidFill>
                   <a:srgbClr val="0000FF"/>
                 </a:solidFill>
@@ -20769,7 +20869,7 @@
               <a:t>m</a:t>
             </a:r>
             <a:r>
-              <a:rPr lang="en-US" dirty="0" smtClean="0">
+              <a:rPr lang="en-US" dirty="0">
                 <a:solidFill>
                   <a:srgbClr val="0000FF"/>
                 </a:solidFill>
@@ -20777,14 +20877,14 @@
               <a:t> </a:t>
             </a:r>
             <a:r>
-              <a:rPr lang="en-US" dirty="0" smtClean="0"/>
+              <a:rPr lang="en-US" dirty="0"/>
               <a:t>kernel? </a:t>
             </a:r>
           </a:p>
           <a:p>
             <a:pPr lvl="1"/>
             <a:r>
-              <a:rPr lang="en-US" sz="2800" dirty="0" smtClean="0">
+              <a:rPr lang="en-US" sz="2800" dirty="0">
                 <a:solidFill>
                   <a:srgbClr val="0000FF"/>
                 </a:solidFill>
@@ -20792,7 +20892,7 @@
               <a:t>O(n</a:t>
             </a:r>
             <a:r>
-              <a:rPr lang="en-US" sz="2800" baseline="30000" dirty="0" smtClean="0">
+              <a:rPr lang="en-US" sz="2800" baseline="30000" dirty="0">
                 <a:solidFill>
                   <a:srgbClr val="0000FF"/>
                 </a:solidFill>
@@ -20800,7 +20900,7 @@
               <a:t>2 </a:t>
             </a:r>
             <a:r>
-              <a:rPr lang="en-US" sz="2800" dirty="0" smtClean="0">
+              <a:rPr lang="en-US" sz="2800" dirty="0">
                 <a:solidFill>
                   <a:srgbClr val="0000FF"/>
                 </a:solidFill>
@@ -20808,7 +20908,7 @@
               <a:t>m</a:t>
             </a:r>
             <a:r>
-              <a:rPr lang="en-US" sz="2800" baseline="30000" dirty="0" smtClean="0">
+              <a:rPr lang="en-US" sz="2800" baseline="30000" dirty="0">
                 <a:solidFill>
                   <a:srgbClr val="0000FF"/>
                 </a:solidFill>
@@ -20816,7 +20916,7 @@
               <a:t>2</a:t>
             </a:r>
             <a:r>
-              <a:rPr lang="en-US" sz="2800" dirty="0" smtClean="0">
+              <a:rPr lang="en-US" sz="2800" dirty="0">
                 <a:solidFill>
                   <a:srgbClr val="0000FF"/>
                 </a:solidFill>
@@ -20830,14 +20930,14 @@
               <a:buChar char="•"/>
             </a:pPr>
             <a:r>
-              <a:rPr lang="en-US" dirty="0" smtClean="0"/>
+              <a:rPr lang="en-US" dirty="0"/>
               <a:t>What if the kernel is separable?</a:t>
             </a:r>
           </a:p>
           <a:p>
             <a:pPr lvl="1"/>
             <a:r>
-              <a:rPr lang="en-US" sz="2800" dirty="0" smtClean="0">
+              <a:rPr lang="en-US" sz="2800" dirty="0">
                 <a:solidFill>
                   <a:srgbClr val="0000FF"/>
                 </a:solidFill>
@@ -20845,7 +20945,7 @@
               <a:t>O(n</a:t>
             </a:r>
             <a:r>
-              <a:rPr lang="en-US" sz="2800" baseline="30000" dirty="0" smtClean="0">
+              <a:rPr lang="en-US" sz="2800" baseline="30000" dirty="0">
                 <a:solidFill>
                   <a:srgbClr val="0000FF"/>
                 </a:solidFill>
@@ -20853,7 +20953,7 @@
               <a:t>2 </a:t>
             </a:r>
             <a:r>
-              <a:rPr lang="en-US" sz="2800" dirty="0" smtClean="0">
+              <a:rPr lang="en-US" sz="2800" dirty="0">
                 <a:solidFill>
                   <a:srgbClr val="0000FF"/>
                 </a:solidFill>
@@ -20863,7 +20963,7 @@
           </a:p>
           <a:p>
             <a:pPr lvl="1"/>
-            <a:endParaRPr lang="en-US" sz="2800" dirty="0" smtClean="0"/>
+            <a:endParaRPr lang="en-US" sz="2800" dirty="0"/>
           </a:p>
         </p:txBody>
       </p:sp>
@@ -21193,15 +21293,15 @@
               <a:buChar char="•"/>
             </a:pPr>
             <a:r>
-              <a:rPr lang="en-US" dirty="0" smtClean="0"/>
+              <a:rPr lang="en-US" dirty="0"/>
               <a:t>Let’s replace each pixel with a </a:t>
             </a:r>
             <a:r>
-              <a:rPr lang="en-US" i="1" dirty="0" smtClean="0"/>
+              <a:rPr lang="en-US" i="1" dirty="0"/>
               <a:t>weighted</a:t>
             </a:r>
             <a:r>
-              <a:rPr lang="en-US" dirty="0" smtClean="0"/>
+              <a:rPr lang="en-US" dirty="0"/>
               <a:t> average of its neighborhood</a:t>
             </a:r>
           </a:p>
@@ -21211,11 +21311,11 @@
               <a:buChar char="•"/>
             </a:pPr>
             <a:r>
-              <a:rPr lang="en-US" dirty="0" smtClean="0"/>
+              <a:rPr lang="en-US" dirty="0"/>
               <a:t>The weights are called the </a:t>
             </a:r>
             <a:r>
-              <a:rPr lang="en-US" i="1" dirty="0" smtClean="0"/>
+              <a:rPr lang="en-US" i="1" dirty="0"/>
               <a:t>filter kernel</a:t>
             </a:r>
           </a:p>
@@ -21225,14 +21325,14 @@
               <a:buChar char="•"/>
             </a:pPr>
             <a:r>
-              <a:rPr lang="en-US" dirty="0" smtClean="0"/>
+              <a:rPr lang="en-US" dirty="0"/>
               <a:t>What are the weights for the average of a </a:t>
             </a:r>
             <a:br>
-              <a:rPr lang="en-US" dirty="0" smtClean="0"/>
+              <a:rPr lang="en-US" dirty="0"/>
             </a:br>
             <a:r>
-              <a:rPr lang="en-US" dirty="0" smtClean="0"/>
+              <a:rPr lang="en-US" dirty="0"/>
               <a:t>3x3 neighborhood?</a:t>
             </a:r>
           </a:p>
@@ -21254,7 +21354,7 @@
           <a:lstStyle/>
           <a:p>
             <a:r>
-              <a:rPr lang="en-US" smtClean="0"/>
+              <a:rPr lang="en-US"/>
               <a:t>Moving average</a:t>
             </a:r>
           </a:p>
@@ -22333,7 +22433,7 @@
           <a:lstStyle/>
           <a:p>
             <a:r>
-              <a:rPr lang="en-US" smtClean="0"/>
+              <a:rPr lang="en-US"/>
               <a:t>Noise</a:t>
             </a:r>
           </a:p>
@@ -22367,11 +22467,11 @@
               <a:buChar char="•"/>
             </a:pPr>
             <a:r>
-              <a:rPr lang="en-US" b="1" smtClean="0"/>
+              <a:rPr lang="en-US" b="1" dirty="0"/>
               <a:t>Salt and pepper noise</a:t>
             </a:r>
             <a:r>
-              <a:rPr lang="en-US" smtClean="0"/>
+              <a:rPr lang="en-US" dirty="0"/>
               <a:t>: contains random occurrences of black and white pixels</a:t>
             </a:r>
           </a:p>
@@ -22384,11 +22484,11 @@
               <a:buChar char="•"/>
             </a:pPr>
             <a:r>
-              <a:rPr lang="en-US" b="1" smtClean="0"/>
+              <a:rPr lang="en-US" b="1" dirty="0"/>
               <a:t>Impulse noise: </a:t>
             </a:r>
             <a:r>
-              <a:rPr lang="en-US" smtClean="0"/>
+              <a:rPr lang="en-US" dirty="0"/>
               <a:t>contains random occurrences of white pixels</a:t>
             </a:r>
           </a:p>
@@ -22401,14 +22501,14 @@
               <a:buChar char="•"/>
             </a:pPr>
             <a:r>
-              <a:rPr lang="en-US" b="1" smtClean="0"/>
+              <a:rPr lang="en-US" b="1" dirty="0"/>
               <a:t>Gaussian noise</a:t>
             </a:r>
             <a:r>
-              <a:rPr lang="en-US" smtClean="0"/>
+              <a:rPr lang="en-US" dirty="0"/>
               <a:t>: variations in intensity drawn from a Gaussian normal distribution</a:t>
             </a:r>
-            <a:endParaRPr lang="en-US" sz="2000" smtClean="0"/>
+            <a:endParaRPr lang="en-US" sz="2000" dirty="0"/>
           </a:p>
         </p:txBody>
       </p:sp>
@@ -22426,9 +22526,59 @@
         </p:xfrm>
         <a:graphic>
           <a:graphicData uri="http://schemas.openxmlformats.org/presentationml/2006/ole">
-            <p:oleObj spid="_x0000_s5140" name="Equation" r:id="rId4" imgW="435285" imgH="677109" progId="">
-              <p:embed/>
-            </p:oleObj>
+            <mc:AlternateContent xmlns:mc="http://schemas.openxmlformats.org/markup-compatibility/2006">
+              <mc:Choice xmlns:v="urn:schemas-microsoft-com:vml" Requires="v">
+                <p:oleObj spid="_x0000_s5141" name="Equation" r:id="rId4" imgW="435285" imgH="677109" progId="">
+                  <p:embed/>
+                </p:oleObj>
+              </mc:Choice>
+              <mc:Fallback>
+                <p:oleObj name="Equation" r:id="rId4" imgW="435285" imgH="677109" progId="">
+                  <p:embed/>
+                  <p:pic>
+                    <p:nvPicPr>
+                      <p:cNvPr id="0" name="Picture 20"/>
+                      <p:cNvPicPr>
+                        <a:picLocks noChangeAspect="1" noChangeArrowheads="1"/>
+                      </p:cNvPicPr>
+                      <p:nvPr/>
+                    </p:nvPicPr>
+                    <p:blipFill>
+                      <a:blip r:embed="rId5">
+                        <a:extLst>
+                          <a:ext uri="{28A0092B-C50C-407E-A947-70E740481C1C}">
+                            <a14:useLocalDpi xmlns:a14="http://schemas.microsoft.com/office/drawing/2010/main" val="0"/>
+                          </a:ext>
+                        </a:extLst>
+                      </a:blip>
+                      <a:srcRect/>
+                      <a:stretch>
+                        <a:fillRect/>
+                      </a:stretch>
+                    </p:blipFill>
+                    <p:spPr bwMode="auto">
+                      <a:xfrm>
+                        <a:off x="0" y="0"/>
+                        <a:ext cx="1219200" cy="149225"/>
+                      </a:xfrm>
+                      <a:prstGeom prst="rect">
+                        <a:avLst/>
+                      </a:prstGeom>
+                      <a:noFill/>
+                      <a:extLst>
+                        <a:ext uri="{909E8E84-426E-40DD-AFC4-6F175D3DCCD1}">
+                          <a14:hiddenFill xmlns:a14="http://schemas.microsoft.com/office/drawing/2010/main">
+                            <a:solidFill>
+                              <a:srgbClr val="FFFFFF"/>
+                            </a:solidFill>
+                          </a14:hiddenFill>
+                        </a:ext>
+                      </a:extLst>
+                    </p:spPr>
+                  </p:pic>
+                </p:oleObj>
+              </mc:Fallback>
+            </mc:AlternateContent>
           </a:graphicData>
         </a:graphic>
       </p:graphicFrame>
@@ -22441,7 +22591,7 @@
           <p:nvPr/>
         </p:nvPicPr>
         <p:blipFill>
-          <a:blip r:embed="rId5" cstate="print"/>
+          <a:blip r:embed="rId6" cstate="print"/>
           <a:srcRect/>
           <a:stretch>
             <a:fillRect/>
@@ -22506,13 +22656,6 @@
   <p:clrMapOvr>
     <a:masterClrMapping/>
   </p:clrMapOvr>
-  <p:timing>
-    <p:tnLst>
-      <p:par>
-        <p:cTn id="1" dur="indefinite" restart="never" nodeType="tmRoot"/>
-      </p:par>
-    </p:tnLst>
-  </p:timing>
 </p:sld>
 </file>
 
@@ -22549,7 +22692,7 @@
           <a:lstStyle/>
           <a:p>
             <a:r>
-              <a:rPr lang="en-US" smtClean="0"/>
+              <a:rPr lang="en-US"/>
               <a:t>Gaussian noise</a:t>
             </a:r>
           </a:p>
@@ -22575,7 +22718,7 @@
               <a:buChar char="•"/>
             </a:pPr>
             <a:r>
-              <a:rPr lang="en-US" smtClean="0"/>
+              <a:rPr lang="en-US"/>
               <a:t>Mathematical model: sum of many independent factors</a:t>
             </a:r>
           </a:p>
@@ -22585,7 +22728,7 @@
               <a:buChar char="•"/>
             </a:pPr>
             <a:r>
-              <a:rPr lang="en-US" smtClean="0"/>
+              <a:rPr lang="en-US"/>
               <a:t>Good for small standard deviations</a:t>
             </a:r>
           </a:p>
@@ -22595,7 +22738,7 @@
               <a:buChar char="•"/>
             </a:pPr>
             <a:r>
-              <a:rPr lang="en-US" smtClean="0"/>
+              <a:rPr lang="en-US"/>
               <a:t>Assumption: independent, zero-mean noise</a:t>
             </a:r>
           </a:p>
@@ -22675,13 +22818,6 @@
   <p:clrMapOvr>
     <a:masterClrMapping/>
   </p:clrMapOvr>
-  <p:timing>
-    <p:tnLst>
-      <p:par>
-        <p:cTn id="1" dur="indefinite" restart="never" nodeType="tmRoot"/>
-      </p:par>
-    </p:tnLst>
-  </p:timing>
 </p:sld>
 </file>
 
@@ -22787,7 +22923,7 @@
           <a:lstStyle/>
           <a:p>
             <a:r>
-              <a:rPr lang="en-US" smtClean="0"/>
+              <a:rPr lang="en-US"/>
               <a:t>Reducing Gaussian noise</a:t>
             </a:r>
           </a:p>
@@ -22830,13 +22966,6 @@
   <p:clrMapOvr>
     <a:masterClrMapping/>
   </p:clrMapOvr>
-  <p:timing>
-    <p:tnLst>
-      <p:par>
-        <p:cTn id="1" dur="indefinite" restart="never" nodeType="tmRoot"/>
-      </p:par>
-    </p:tnLst>
-  </p:timing>
 </p:sld>
 </file>
 
@@ -22873,7 +23002,7 @@
           <a:lstStyle/>
           <a:p>
             <a:r>
-              <a:rPr lang="en-US" smtClean="0"/>
+              <a:rPr lang="en-US"/>
               <a:t>Reducing salt-and-pepper noise</a:t>
             </a:r>
           </a:p>
@@ -22900,7 +23029,7 @@
           <a:lstStyle/>
           <a:p>
             <a:r>
-              <a:rPr lang="en-US" smtClean="0"/>
+              <a:rPr lang="en-US"/>
               <a:t>What’s wrong with the results?</a:t>
             </a:r>
           </a:p>
@@ -23172,7 +23301,7 @@
           <a:lstStyle/>
           <a:p>
             <a:r>
-              <a:rPr lang="en-US" smtClean="0"/>
+              <a:rPr lang="en-US"/>
               <a:t>Alternative idea: Median filtering</a:t>
             </a:r>
           </a:p>
@@ -23192,9 +23321,59 @@
         </p:xfrm>
         <a:graphic>
           <a:graphicData uri="http://schemas.openxmlformats.org/presentationml/2006/ole">
-            <p:oleObj spid="_x0000_s6164" name="Equation" r:id="rId4" imgW="435285" imgH="677109" progId="">
-              <p:embed/>
-            </p:oleObj>
+            <mc:AlternateContent xmlns:mc="http://schemas.openxmlformats.org/markup-compatibility/2006">
+              <mc:Choice xmlns:v="urn:schemas-microsoft-com:vml" Requires="v">
+                <p:oleObj spid="_x0000_s6165" name="Equation" r:id="rId4" imgW="435285" imgH="677109" progId="">
+                  <p:embed/>
+                </p:oleObj>
+              </mc:Choice>
+              <mc:Fallback>
+                <p:oleObj name="Equation" r:id="rId4" imgW="435285" imgH="677109" progId="">
+                  <p:embed/>
+                  <p:pic>
+                    <p:nvPicPr>
+                      <p:cNvPr id="0" name="Picture 20"/>
+                      <p:cNvPicPr>
+                        <a:picLocks noChangeAspect="1" noChangeArrowheads="1"/>
+                      </p:cNvPicPr>
+                      <p:nvPr/>
+                    </p:nvPicPr>
+                    <p:blipFill>
+                      <a:blip r:embed="rId5">
+                        <a:extLst>
+                          <a:ext uri="{28A0092B-C50C-407E-A947-70E740481C1C}">
+                            <a14:useLocalDpi xmlns:a14="http://schemas.microsoft.com/office/drawing/2010/main" val="0"/>
+                          </a:ext>
+                        </a:extLst>
+                      </a:blip>
+                      <a:srcRect/>
+                      <a:stretch>
+                        <a:fillRect/>
+                      </a:stretch>
+                    </p:blipFill>
+                    <p:spPr bwMode="auto">
+                      <a:xfrm>
+                        <a:off x="0" y="0"/>
+                        <a:ext cx="1219200" cy="149225"/>
+                      </a:xfrm>
+                      <a:prstGeom prst="rect">
+                        <a:avLst/>
+                      </a:prstGeom>
+                      <a:noFill/>
+                      <a:extLst>
+                        <a:ext uri="{909E8E84-426E-40DD-AFC4-6F175D3DCCD1}">
+                          <a14:hiddenFill xmlns:a14="http://schemas.microsoft.com/office/drawing/2010/main">
+                            <a:solidFill>
+                              <a:srgbClr val="FFFFFF"/>
+                            </a:solidFill>
+                          </a14:hiddenFill>
+                        </a:ext>
+                      </a:extLst>
+                    </p:spPr>
+                  </p:pic>
+                </p:oleObj>
+              </mc:Fallback>
+            </mc:AlternateContent>
           </a:graphicData>
         </a:graphic>
       </p:graphicFrame>
@@ -23224,63 +23403,39 @@
               <a:buChar char="•"/>
             </a:pPr>
             <a:r>
-              <a:rPr lang="en-US" smtClean="0"/>
+              <a:rPr lang="en-US"/>
               <a:t>A </a:t>
             </a:r>
             <a:r>
-              <a:rPr lang="en-US" b="1" smtClean="0"/>
+              <a:rPr lang="en-US" b="1"/>
               <a:t>median filter</a:t>
             </a:r>
             <a:r>
-              <a:rPr lang="en-US" smtClean="0"/>
+              <a:rPr lang="en-US"/>
               <a:t> operates over a window by selecting the median intensity in the window</a:t>
             </a:r>
             <a:br>
-              <a:rPr lang="en-US" smtClean="0"/>
+              <a:rPr lang="en-US"/>
             </a:br>
-            <a:r>
-              <a:rPr lang="en-US" smtClean="0"/>
-              <a:t/>
-            </a:r>
             <a:br>
-              <a:rPr lang="en-US" smtClean="0"/>
+              <a:rPr lang="en-US"/>
             </a:br>
-            <a:r>
-              <a:rPr lang="en-US" smtClean="0"/>
-              <a:t/>
-            </a:r>
             <a:br>
-              <a:rPr lang="en-US" smtClean="0"/>
+              <a:rPr lang="en-US"/>
             </a:br>
-            <a:r>
-              <a:rPr lang="en-US" smtClean="0"/>
-              <a:t/>
-            </a:r>
             <a:br>
-              <a:rPr lang="en-US" smtClean="0"/>
+              <a:rPr lang="en-US"/>
             </a:br>
-            <a:r>
-              <a:rPr lang="en-US" smtClean="0"/>
-              <a:t/>
-            </a:r>
             <a:br>
-              <a:rPr lang="en-US" smtClean="0"/>
+              <a:rPr lang="en-US"/>
             </a:br>
-            <a:r>
-              <a:rPr lang="en-US" smtClean="0"/>
-              <a:t/>
-            </a:r>
             <a:br>
-              <a:rPr lang="en-US" smtClean="0"/>
+              <a:rPr lang="en-US"/>
             </a:br>
-            <a:r>
-              <a:rPr lang="en-US" smtClean="0"/>
-              <a:t/>
-            </a:r>
             <a:br>
-              <a:rPr lang="en-US" smtClean="0"/>
+              <a:rPr lang="en-US"/>
             </a:br>
-            <a:endParaRPr lang="en-US" smtClean="0"/>
+            <a:endParaRPr lang="en-US"/>
           </a:p>
         </p:txBody>
       </p:sp>
@@ -23309,7 +23464,7 @@
             <p:nvPr/>
           </p:nvPicPr>
           <p:blipFill>
-            <a:blip r:embed="rId5" cstate="print"/>
+            <a:blip r:embed="rId6" cstate="print"/>
             <a:srcRect/>
             <a:stretch>
               <a:fillRect/>
@@ -23565,10 +23720,9 @@
           <a:lstStyle/>
           <a:p>
             <a:r>
-              <a:rPr lang="en-US" dirty="0" smtClean="0"/>
+              <a:rPr lang="en-US" dirty="0"/>
               <a:t>Median filter</a:t>
             </a:r>
-            <a:endParaRPr lang="en-US" dirty="0"/>
           </a:p>
         </p:txBody>
       </p:sp>
@@ -23592,7 +23746,7 @@
               <a:buChar char="•"/>
             </a:pPr>
             <a:r>
-              <a:rPr lang="en-US" dirty="0" smtClean="0"/>
+              <a:rPr lang="en-US" dirty="0"/>
               <a:t>Is median filtering linear?</a:t>
             </a:r>
           </a:p>
@@ -23602,10 +23756,9 @@
               <a:buChar char="•"/>
             </a:pPr>
             <a:r>
-              <a:rPr lang="en-US" dirty="0" smtClean="0"/>
+              <a:rPr lang="en-US" dirty="0"/>
               <a:t>Let’s try filtering</a:t>
             </a:r>
-            <a:endParaRPr lang="en-US" dirty="0"/>
           </a:p>
         </p:txBody>
       </p:sp>
@@ -23618,7 +23771,7 @@
           <p:nvPr>
             <p:extLst>
               <p:ext uri="{D42A27DB-BD31-4B8C-83A1-F6EECF244321}">
-                <p14:modId xmlns="" xmlns:p14="http://schemas.microsoft.com/office/powerpoint/2010/main" val="921900598"/>
+                <p14:modId xmlns:p14="http://schemas.microsoft.com/office/powerpoint/2010/main" val="921900598"/>
               </p:ext>
             </p:extLst>
           </p:nvPr>
@@ -23629,16 +23782,66 @@
         </p:xfrm>
         <a:graphic>
           <a:graphicData uri="http://schemas.openxmlformats.org/presentationml/2006/ole">
-            <p:oleObj spid="_x0000_s184326" name="Equation" r:id="rId3" imgW="1728000" imgH="722160" progId="">
-              <p:embed/>
-            </p:oleObj>
+            <mc:AlternateContent xmlns:mc="http://schemas.openxmlformats.org/markup-compatibility/2006">
+              <mc:Choice xmlns:v="urn:schemas-microsoft-com:vml" Requires="v">
+                <p:oleObj spid="_x0000_s184327" name="Equation" r:id="rId3" imgW="1728000" imgH="722160" progId="">
+                  <p:embed/>
+                </p:oleObj>
+              </mc:Choice>
+              <mc:Fallback>
+                <p:oleObj name="Equation" r:id="rId3" imgW="1728000" imgH="722160" progId="">
+                  <p:embed/>
+                  <p:pic>
+                    <p:nvPicPr>
+                      <p:cNvPr id="0" name="Picture 6"/>
+                      <p:cNvPicPr>
+                        <a:picLocks noChangeAspect="1" noChangeArrowheads="1"/>
+                      </p:cNvPicPr>
+                      <p:nvPr/>
+                    </p:nvPicPr>
+                    <p:blipFill>
+                      <a:blip r:embed="rId4">
+                        <a:extLst>
+                          <a:ext uri="{28A0092B-C50C-407E-A947-70E740481C1C}">
+                            <a14:useLocalDpi xmlns:a14="http://schemas.microsoft.com/office/drawing/2010/main" val="0"/>
+                          </a:ext>
+                        </a:extLst>
+                      </a:blip>
+                      <a:srcRect/>
+                      <a:stretch>
+                        <a:fillRect/>
+                      </a:stretch>
+                    </p:blipFill>
+                    <p:spPr bwMode="auto">
+                      <a:xfrm>
+                        <a:off x="2180678" y="2514600"/>
+                        <a:ext cx="4829722" cy="2044700"/>
+                      </a:xfrm>
+                      <a:prstGeom prst="rect">
+                        <a:avLst/>
+                      </a:prstGeom>
+                      <a:noFill/>
+                      <a:extLst>
+                        <a:ext uri="{909E8E84-426E-40DD-AFC4-6F175D3DCCD1}">
+                          <a14:hiddenFill xmlns:a14="http://schemas.microsoft.com/office/drawing/2010/main">
+                            <a:solidFill>
+                              <a:srgbClr val="FFFFFF"/>
+                            </a:solidFill>
+                          </a14:hiddenFill>
+                        </a:ext>
+                      </a:extLst>
+                    </p:spPr>
+                  </p:pic>
+                </p:oleObj>
+              </mc:Fallback>
+            </mc:AlternateContent>
           </a:graphicData>
         </a:graphic>
       </p:graphicFrame>
     </p:spTree>
     <p:extLst>
       <p:ext uri="{BB962C8B-B14F-4D97-AF65-F5344CB8AC3E}">
-        <p14:creationId xmlns="" xmlns:p14="http://schemas.microsoft.com/office/powerpoint/2010/main" val="3329490560"/>
+        <p14:creationId xmlns:p14="http://schemas.microsoft.com/office/powerpoint/2010/main" val="3329490560"/>
       </p:ext>
     </p:extLst>
   </p:cSld>
@@ -23790,7 +23993,7 @@
           <a:lstStyle/>
           <a:p>
             <a:r>
-              <a:rPr lang="en-US" smtClean="0"/>
+              <a:rPr lang="en-US"/>
               <a:t>Median filter</a:t>
             </a:r>
           </a:p>
@@ -23821,14 +24024,14 @@
               <a:buChar char="•"/>
             </a:pPr>
             <a:r>
-              <a:rPr lang="en-US" smtClean="0"/>
+              <a:rPr lang="en-US"/>
               <a:t>What advantage does median filtering have over Gaussian filtering?</a:t>
             </a:r>
           </a:p>
           <a:p>
             <a:pPr lvl="1"/>
             <a:r>
-              <a:rPr lang="en-US" smtClean="0"/>
+              <a:rPr lang="en-US"/>
               <a:t>Robustness to outliers</a:t>
             </a:r>
           </a:p>
@@ -24121,7 +24324,7 @@
           <a:lstStyle/>
           <a:p>
             <a:r>
-              <a:rPr lang="en-US" smtClean="0"/>
+              <a:rPr lang="en-US"/>
               <a:t>Median filter</a:t>
             </a:r>
           </a:p>
@@ -24294,11 +24497,11 @@
           <a:lstStyle/>
           <a:p>
             <a:r>
-              <a:rPr lang="en-US" dirty="0" smtClean="0"/>
+              <a:rPr lang="en-US" dirty="0"/>
               <a:t>MATLAB: </a:t>
             </a:r>
             <a:r>
-              <a:rPr lang="en-US" dirty="0" smtClean="0">
+              <a:rPr lang="en-US" dirty="0">
                 <a:solidFill>
                   <a:srgbClr val="0000FF"/>
                 </a:solidFill>
@@ -24313,13 +24516,6 @@
   <p:clrMapOvr>
     <a:masterClrMapping/>
   </p:clrMapOvr>
-  <p:timing>
-    <p:tnLst>
-      <p:par>
-        <p:cTn id="1" dur="indefinite" restart="never" nodeType="tmRoot"/>
-      </p:par>
-    </p:tnLst>
-  </p:timing>
 </p:sld>
 </file>
 
@@ -24361,7 +24557,7 @@
           <a:lstStyle/>
           <a:p>
             <a:r>
-              <a:rPr lang="en-US" dirty="0" smtClean="0"/>
+              <a:rPr lang="en-US" dirty="0"/>
               <a:t>Gaussian vs. median filtering</a:t>
             </a:r>
           </a:p>
@@ -24381,9 +24577,59 @@
         </p:xfrm>
         <a:graphic>
           <a:graphicData uri="http://schemas.openxmlformats.org/presentationml/2006/ole">
-            <p:oleObj spid="_x0000_s7188" name="Equation" r:id="rId4" imgW="435285" imgH="677109" progId="">
-              <p:embed/>
-            </p:oleObj>
+            <mc:AlternateContent xmlns:mc="http://schemas.openxmlformats.org/markup-compatibility/2006">
+              <mc:Choice xmlns:v="urn:schemas-microsoft-com:vml" Requires="v">
+                <p:oleObj spid="_x0000_s7189" name="Equation" r:id="rId4" imgW="435285" imgH="677109" progId="">
+                  <p:embed/>
+                </p:oleObj>
+              </mc:Choice>
+              <mc:Fallback>
+                <p:oleObj name="Equation" r:id="rId4" imgW="435285" imgH="677109" progId="">
+                  <p:embed/>
+                  <p:pic>
+                    <p:nvPicPr>
+                      <p:cNvPr id="0" name="Picture 20"/>
+                      <p:cNvPicPr>
+                        <a:picLocks noChangeAspect="1" noChangeArrowheads="1"/>
+                      </p:cNvPicPr>
+                      <p:nvPr/>
+                    </p:nvPicPr>
+                    <p:blipFill>
+                      <a:blip r:embed="rId5">
+                        <a:extLst>
+                          <a:ext uri="{28A0092B-C50C-407E-A947-70E740481C1C}">
+                            <a14:useLocalDpi xmlns:a14="http://schemas.microsoft.com/office/drawing/2010/main" val="0"/>
+                          </a:ext>
+                        </a:extLst>
+                      </a:blip>
+                      <a:srcRect/>
+                      <a:stretch>
+                        <a:fillRect/>
+                      </a:stretch>
+                    </p:blipFill>
+                    <p:spPr bwMode="auto">
+                      <a:xfrm>
+                        <a:off x="0" y="0"/>
+                        <a:ext cx="1219200" cy="149225"/>
+                      </a:xfrm>
+                      <a:prstGeom prst="rect">
+                        <a:avLst/>
+                      </a:prstGeom>
+                      <a:noFill/>
+                      <a:extLst>
+                        <a:ext uri="{909E8E84-426E-40DD-AFC4-6F175D3DCCD1}">
+                          <a14:hiddenFill xmlns:a14="http://schemas.microsoft.com/office/drawing/2010/main">
+                            <a:solidFill>
+                              <a:srgbClr val="FFFFFF"/>
+                            </a:solidFill>
+                          </a14:hiddenFill>
+                        </a:ext>
+                      </a:extLst>
+                    </p:spPr>
+                  </p:pic>
+                </p:oleObj>
+              </mc:Fallback>
+            </mc:AlternateContent>
           </a:graphicData>
         </a:graphic>
       </p:graphicFrame>
@@ -24460,7 +24706,7 @@
           <p:nvPr/>
         </p:nvPicPr>
         <p:blipFill>
-          <a:blip r:embed="rId5" cstate="print"/>
+          <a:blip r:embed="rId6" cstate="print"/>
           <a:srcRect/>
           <a:stretch>
             <a:fillRect/>
@@ -24673,13 +24919,6 @@
   <p:clrMapOvr>
     <a:masterClrMapping/>
   </p:clrMapOvr>
-  <p:timing>
-    <p:tnLst>
-      <p:par>
-        <p:cTn id="1" dur="indefinite" restart="never" nodeType="tmRoot"/>
-      </p:par>
-    </p:tnLst>
-  </p:timing>
 </p:sld>
 </file>
 
@@ -24716,10 +24955,9 @@
           <a:lstStyle/>
           <a:p>
             <a:r>
-              <a:rPr lang="en-US" dirty="0" smtClean="0"/>
+              <a:rPr lang="en-US" dirty="0"/>
               <a:t>Review: Image filtering</a:t>
             </a:r>
-            <a:endParaRPr lang="en-US" dirty="0"/>
           </a:p>
         </p:txBody>
       </p:sp>
@@ -24743,7 +24981,7 @@
               <a:buChar char="•"/>
             </a:pPr>
             <a:r>
-              <a:rPr lang="en-US" dirty="0" smtClean="0"/>
+              <a:rPr lang="en-US" dirty="0"/>
               <a:t>Convolution</a:t>
             </a:r>
           </a:p>
@@ -24753,7 +24991,7 @@
               <a:buChar char="•"/>
             </a:pPr>
             <a:r>
-              <a:rPr lang="en-US" dirty="0" smtClean="0"/>
+              <a:rPr lang="en-US" dirty="0"/>
               <a:t>Image smoothing</a:t>
             </a:r>
           </a:p>
@@ -24763,7 +25001,7 @@
               <a:buChar char="•"/>
             </a:pPr>
             <a:r>
-              <a:rPr lang="en-US" dirty="0" smtClean="0"/>
+              <a:rPr lang="en-US" dirty="0"/>
               <a:t>Gaussian filter</a:t>
             </a:r>
           </a:p>
@@ -24773,17 +25011,16 @@
               <a:buChar char="•"/>
             </a:pPr>
             <a:r>
-              <a:rPr lang="en-US" dirty="0" smtClean="0"/>
+              <a:rPr lang="en-US" dirty="0"/>
               <a:t>Nonlinear filtering</a:t>
             </a:r>
-            <a:endParaRPr lang="en-US" dirty="0"/>
           </a:p>
         </p:txBody>
       </p:sp>
     </p:spTree>
     <p:extLst>
       <p:ext uri="{BB962C8B-B14F-4D97-AF65-F5344CB8AC3E}">
-        <p14:creationId xmlns="" xmlns:p14="http://schemas.microsoft.com/office/powerpoint/2010/main" val="3961465335"/>
+        <p14:creationId xmlns:p14="http://schemas.microsoft.com/office/powerpoint/2010/main" val="3961465335"/>
       </p:ext>
     </p:extLst>
   </p:cSld>
@@ -25055,7 +25292,7 @@
           <a:lstStyle/>
           <a:p>
             <a:r>
-              <a:rPr lang="en-US" smtClean="0"/>
+              <a:rPr lang="en-US"/>
               <a:t>Defining convolution</a:t>
             </a:r>
           </a:p>
@@ -25067,7 +25304,13 @@
           <p:cNvGraphicFramePr>
             <a:graphicFrameLocks noChangeAspect="1"/>
           </p:cNvGraphicFramePr>
-          <p:nvPr/>
+          <p:nvPr>
+            <p:extLst>
+              <p:ext uri="{D42A27DB-BD31-4B8C-83A1-F6EECF244321}">
+                <p14:modId xmlns:p14="http://schemas.microsoft.com/office/powerpoint/2010/main" val="1660126152"/>
+              </p:ext>
+            </p:extLst>
+          </p:nvPr>
         </p:nvGraphicFramePr>
         <p:xfrm>
           <a:off x="1066800" y="1981200"/>
@@ -25075,9 +25318,82 @@
         </p:xfrm>
         <a:graphic>
           <a:graphicData uri="http://schemas.openxmlformats.org/presentationml/2006/ole">
-            <p:oleObj spid="_x0000_s100372" name="Equation" r:id="rId4" imgW="2362200" imgH="355600" progId="">
-              <p:embed/>
-            </p:oleObj>
+            <mc:AlternateContent xmlns:mc="http://schemas.openxmlformats.org/markup-compatibility/2006">
+              <mc:Choice xmlns:v="urn:schemas-microsoft-com:vml" Requires="v">
+                <p:oleObj spid="_x0000_s100373" name="Equation" r:id="rId4" imgW="2362200" imgH="355600" progId="">
+                  <p:embed/>
+                </p:oleObj>
+              </mc:Choice>
+              <mc:Fallback>
+                <p:oleObj name="Equation" r:id="rId4" imgW="2362200" imgH="355600" progId="">
+                  <p:embed/>
+                  <p:pic>
+                    <p:nvPicPr>
+                      <p:cNvPr id="0" name="Picture 20"/>
+                      <p:cNvPicPr>
+                        <a:picLocks noChangeAspect="1" noChangeArrowheads="1"/>
+                      </p:cNvPicPr>
+                      <p:nvPr/>
+                    </p:nvPicPr>
+                    <p:blipFill>
+                      <a:blip r:embed="rId5">
+                        <a:extLst>
+                          <a:ext uri="{28A0092B-C50C-407E-A947-70E740481C1C}">
+                            <a14:useLocalDpi xmlns:a14="http://schemas.microsoft.com/office/drawing/2010/main" val="0"/>
+                          </a:ext>
+                        </a:extLst>
+                      </a:blip>
+                      <a:srcRect/>
+                      <a:stretch>
+                        <a:fillRect/>
+                      </a:stretch>
+                    </p:blipFill>
+                    <p:spPr bwMode="auto">
+                      <a:xfrm>
+                        <a:off x="1066800" y="1981200"/>
+                        <a:ext cx="7086600" cy="1066800"/>
+                      </a:xfrm>
+                      <a:prstGeom prst="rect">
+                        <a:avLst/>
+                      </a:prstGeom>
+                      <a:noFill/>
+                      <a:ln>
+                        <a:noFill/>
+                      </a:ln>
+                      <a:effectLst/>
+                      <a:extLst>
+                        <a:ext uri="{909E8E84-426E-40DD-AFC4-6F175D3DCCD1}">
+                          <a14:hiddenFill xmlns:a14="http://schemas.microsoft.com/office/drawing/2010/main">
+                            <a:solidFill>
+                              <a:schemeClr val="accent1"/>
+                            </a:solidFill>
+                          </a14:hiddenFill>
+                        </a:ext>
+                        <a:ext uri="{91240B29-F687-4F45-9708-019B960494DF}">
+                          <a14:hiddenLine xmlns:a14="http://schemas.microsoft.com/office/drawing/2010/main" w="9525">
+                            <a:solidFill>
+                              <a:schemeClr val="tx1"/>
+                            </a:solidFill>
+                            <a:miter lim="800000"/>
+                            <a:headEnd/>
+                            <a:tailEnd/>
+                          </a14:hiddenLine>
+                        </a:ext>
+                        <a:ext uri="{AF507438-7753-43E0-B8FC-AC1667EBCBE1}">
+                          <a14:hiddenEffects xmlns:a14="http://schemas.microsoft.com/office/drawing/2010/main">
+                            <a:effectLst>
+                              <a:outerShdw dist="35921" dir="2700000" algn="ctr" rotWithShape="0">
+                                <a:schemeClr val="bg2"/>
+                              </a:outerShdw>
+                            </a:effectLst>
+                          </a14:hiddenEffects>
+                        </a:ext>
+                      </a:extLst>
+                    </p:spPr>
+                  </p:pic>
+                </p:oleObj>
+              </mc:Fallback>
+            </mc:AlternateContent>
           </a:graphicData>
         </a:graphic>
       </p:graphicFrame>
@@ -25183,7 +25499,7 @@
           <p:nvPr/>
         </p:nvPicPr>
         <p:blipFill>
-          <a:blip r:embed="rId5" cstate="print"/>
+          <a:blip r:embed="rId6" cstate="print"/>
           <a:srcRect/>
           <a:stretch>
             <a:fillRect/>
@@ -25215,7 +25531,7 @@
           <p:nvPr/>
         </p:nvPicPr>
         <p:blipFill>
-          <a:blip r:embed="rId6" cstate="print"/>
+          <a:blip r:embed="rId7" cstate="print"/>
           <a:srcRect/>
           <a:stretch>
             <a:fillRect/>
@@ -25263,7 +25579,7 @@
             <p:nvPr/>
           </p:nvPicPr>
           <p:blipFill>
-            <a:blip r:embed="rId6" cstate="print"/>
+            <a:blip r:embed="rId7" cstate="print"/>
             <a:srcRect/>
             <a:stretch>
               <a:fillRect/>
@@ -25330,7 +25646,7 @@
           <p:nvPr/>
         </p:nvPicPr>
         <p:blipFill>
-          <a:blip r:embed="rId6" cstate="print"/>
+          <a:blip r:embed="rId7" cstate="print"/>
           <a:srcRect/>
           <a:stretch>
             <a:fillRect/>
@@ -25373,11 +25689,11 @@
               <a:buChar char="•"/>
             </a:pPr>
             <a:r>
-              <a:rPr lang="en-US" dirty="0" smtClean="0"/>
+              <a:rPr lang="en-US" dirty="0"/>
               <a:t>Let </a:t>
             </a:r>
             <a:r>
-              <a:rPr lang="en-US" i="1" dirty="0" smtClean="0">
+              <a:rPr lang="en-US" i="1" dirty="0">
                 <a:solidFill>
                   <a:srgbClr val="0000FF"/>
                 </a:solidFill>
@@ -25385,19 +25701,19 @@
               <a:t>f</a:t>
             </a:r>
             <a:r>
-              <a:rPr lang="en-US" i="1" dirty="0" smtClean="0"/>
+              <a:rPr lang="en-US" i="1" dirty="0"/>
               <a:t> </a:t>
             </a:r>
             <a:r>
-              <a:rPr lang="en-US" dirty="0" smtClean="0"/>
+              <a:rPr lang="en-US" dirty="0"/>
               <a:t>be the image and</a:t>
             </a:r>
             <a:r>
-              <a:rPr lang="en-US" i="1" dirty="0" smtClean="0"/>
+              <a:rPr lang="en-US" i="1" dirty="0"/>
               <a:t> </a:t>
             </a:r>
             <a:r>
-              <a:rPr lang="en-US" i="1" dirty="0" smtClean="0">
+              <a:rPr lang="en-US" i="1" dirty="0">
                 <a:solidFill>
                   <a:srgbClr val="0000FF"/>
                 </a:solidFill>
@@ -25405,15 +25721,15 @@
               <a:t>g</a:t>
             </a:r>
             <a:r>
-              <a:rPr lang="en-US" i="1" dirty="0" smtClean="0"/>
+              <a:rPr lang="en-US" i="1" dirty="0"/>
               <a:t> </a:t>
             </a:r>
             <a:r>
-              <a:rPr lang="en-US" dirty="0" smtClean="0"/>
+              <a:rPr lang="en-US" dirty="0"/>
               <a:t>be the kernel. The output of convolving </a:t>
             </a:r>
             <a:r>
-              <a:rPr lang="en-US" i="1" dirty="0" smtClean="0">
+              <a:rPr lang="en-US" i="1" dirty="0">
                 <a:solidFill>
                   <a:srgbClr val="0000FF"/>
                 </a:solidFill>
@@ -25421,11 +25737,11 @@
               <a:t>f</a:t>
             </a:r>
             <a:r>
-              <a:rPr lang="en-US" dirty="0" smtClean="0"/>
+              <a:rPr lang="en-US" dirty="0"/>
               <a:t> with </a:t>
             </a:r>
             <a:r>
-              <a:rPr lang="en-US" i="1" dirty="0" smtClean="0">
+              <a:rPr lang="en-US" i="1" dirty="0">
                 <a:solidFill>
                   <a:srgbClr val="0000FF"/>
                 </a:solidFill>
@@ -25433,11 +25749,11 @@
               <a:t>g</a:t>
             </a:r>
             <a:r>
-              <a:rPr lang="en-US" dirty="0" smtClean="0"/>
+              <a:rPr lang="en-US" dirty="0"/>
               <a:t> is denoted </a:t>
             </a:r>
             <a:r>
-              <a:rPr lang="en-US" i="1" dirty="0" smtClean="0">
+              <a:rPr lang="en-US" i="1" dirty="0">
                 <a:solidFill>
                   <a:srgbClr val="0000FF"/>
                 </a:solidFill>
@@ -25445,7 +25761,7 @@
               <a:t>f</a:t>
             </a:r>
             <a:r>
-              <a:rPr lang="en-US" dirty="0" smtClean="0">
+              <a:rPr lang="en-US" dirty="0">
                 <a:solidFill>
                   <a:srgbClr val="0000FF"/>
                 </a:solidFill>
@@ -25453,7 +25769,7 @@
               <a:t> * </a:t>
             </a:r>
             <a:r>
-              <a:rPr lang="en-US" i="1" dirty="0" smtClean="0">
+              <a:rPr lang="en-US" i="1" dirty="0">
                 <a:solidFill>
                   <a:srgbClr val="0000FF"/>
                 </a:solidFill>
@@ -25461,7 +25777,7 @@
               <a:t>g</a:t>
             </a:r>
             <a:r>
-              <a:rPr lang="en-US" dirty="0" smtClean="0"/>
+              <a:rPr lang="en-US" dirty="0"/>
               <a:t>.</a:t>
             </a:r>
           </a:p>
@@ -25539,11 +25855,11 @@
               <a:buChar char="•"/>
             </a:pPr>
             <a:r>
-              <a:rPr lang="en-US" dirty="0" smtClean="0"/>
+              <a:rPr lang="en-US" dirty="0"/>
               <a:t>   MATLAB functions: </a:t>
             </a:r>
             <a:r>
-              <a:rPr lang="en-US" dirty="0" smtClean="0">
+              <a:rPr lang="en-US" dirty="0">
                 <a:solidFill>
                   <a:srgbClr val="0000FF"/>
                 </a:solidFill>
@@ -25551,7 +25867,7 @@
               <a:t>conv2, filter2, </a:t>
             </a:r>
             <a:r>
-              <a:rPr lang="en-US" dirty="0" err="1" smtClean="0">
+              <a:rPr lang="en-US" dirty="0" err="1">
                 <a:solidFill>
                   <a:srgbClr val="0000FF"/>
                 </a:solidFill>
@@ -25598,33 +25914,16 @@
           <a:p>
             <a:pPr algn="ctr"/>
             <a:r>
-              <a:rPr lang="en-US" dirty="0" smtClean="0"/>
-              <a:t>Convention</a:t>
-            </a:r>
-            <a:r>
               <a:rPr lang="en-US" dirty="0"/>
-              <a:t>: </a:t>
-            </a:r>
-            <a:r>
-              <a:rPr lang="en-US" dirty="0" smtClean="0"/>
-              <a:t/>
+              <a:t>Convention: </a:t>
             </a:r>
             <a:br>
-              <a:rPr lang="en-US" dirty="0" smtClean="0"/>
+              <a:rPr lang="en-US" dirty="0"/>
             </a:br>
             <a:r>
-              <a:rPr lang="en-US" dirty="0" smtClean="0"/>
-              <a:t>kernel </a:t>
-            </a:r>
-            <a:r>
               <a:rPr lang="en-US" dirty="0"/>
-              <a:t>is “flipped</a:t>
-            </a:r>
-            <a:r>
-              <a:rPr lang="en-US" dirty="0" smtClean="0"/>
-              <a:t>”</a:t>
-            </a:r>
-            <a:endParaRPr lang="en-US" dirty="0"/>
+              <a:t>kernel is “flipped”</a:t>
+            </a:r>
           </a:p>
         </p:txBody>
       </p:sp>
@@ -26039,7 +26338,7 @@
           <a:lstStyle/>
           <a:p>
             <a:r>
-              <a:rPr lang="en-US" smtClean="0"/>
+              <a:rPr lang="en-US"/>
               <a:t>Key properties</a:t>
             </a:r>
           </a:p>
@@ -26070,15 +26369,15 @@
               <a:buChar char="•"/>
             </a:pPr>
             <a:r>
-              <a:rPr lang="en-US" b="1" dirty="0" smtClean="0"/>
+              <a:rPr lang="en-US" b="1" dirty="0"/>
               <a:t>Linearity:</a:t>
             </a:r>
             <a:r>
-              <a:rPr lang="en-US" dirty="0" smtClean="0"/>
+              <a:rPr lang="en-US" dirty="0"/>
               <a:t> </a:t>
             </a:r>
             <a:r>
-              <a:rPr lang="en-US" dirty="0" smtClean="0">
+              <a:rPr lang="en-US" dirty="0">
                 <a:solidFill>
                   <a:srgbClr val="0000FF"/>
                 </a:solidFill>
@@ -26086,7 +26385,7 @@
               <a:t>filter(</a:t>
             </a:r>
             <a:r>
-              <a:rPr lang="en-US" i="1" dirty="0" smtClean="0">
+              <a:rPr lang="en-US" i="1" dirty="0">
                 <a:solidFill>
                   <a:srgbClr val="0000FF"/>
                 </a:solidFill>
@@ -26094,7 +26393,7 @@
               <a:t>f</a:t>
             </a:r>
             <a:r>
-              <a:rPr lang="en-US" baseline="-25000" dirty="0" smtClean="0">
+              <a:rPr lang="en-US" baseline="-25000" dirty="0">
                 <a:solidFill>
                   <a:srgbClr val="0000FF"/>
                 </a:solidFill>
@@ -26102,7 +26401,7 @@
               <a:t>1</a:t>
             </a:r>
             <a:r>
-              <a:rPr lang="en-US" dirty="0" smtClean="0">
+              <a:rPr lang="en-US" dirty="0">
                 <a:solidFill>
                   <a:srgbClr val="0000FF"/>
                 </a:solidFill>
@@ -26110,7 +26409,7 @@
               <a:t> </a:t>
             </a:r>
             <a:r>
-              <a:rPr lang="en-US" smtClean="0">
+              <a:rPr lang="en-US">
                 <a:solidFill>
                   <a:srgbClr val="0000FF"/>
                 </a:solidFill>
@@ -26118,7 +26417,7 @@
               <a:t>+ </a:t>
             </a:r>
             <a:r>
-              <a:rPr lang="en-US" i="1" smtClean="0">
+              <a:rPr lang="en-US" i="1">
                 <a:solidFill>
                   <a:srgbClr val="0000FF"/>
                 </a:solidFill>
@@ -26126,7 +26425,7 @@
               <a:t>f</a:t>
             </a:r>
             <a:r>
-              <a:rPr lang="en-US" baseline="-25000" smtClean="0">
+              <a:rPr lang="en-US" baseline="-25000">
                 <a:solidFill>
                   <a:srgbClr val="0000FF"/>
                 </a:solidFill>
@@ -26134,7 +26433,7 @@
               <a:t>2</a:t>
             </a:r>
             <a:r>
-              <a:rPr lang="en-US" smtClean="0">
+              <a:rPr lang="en-US">
                 <a:solidFill>
                   <a:srgbClr val="0000FF"/>
                 </a:solidFill>
@@ -26142,7 +26441,7 @@
               <a:t>) </a:t>
             </a:r>
             <a:r>
-              <a:rPr lang="en-US" dirty="0" smtClean="0">
+              <a:rPr lang="en-US" dirty="0">
                 <a:solidFill>
                   <a:srgbClr val="0000FF"/>
                 </a:solidFill>
@@ -26150,7 +26449,7 @@
               <a:t>= filter(</a:t>
             </a:r>
             <a:r>
-              <a:rPr lang="en-US" i="1" dirty="0" smtClean="0">
+              <a:rPr lang="en-US" i="1" dirty="0">
                 <a:solidFill>
                   <a:srgbClr val="0000FF"/>
                 </a:solidFill>
@@ -26158,7 +26457,7 @@
               <a:t>f</a:t>
             </a:r>
             <a:r>
-              <a:rPr lang="en-US" baseline="-25000" dirty="0" smtClean="0">
+              <a:rPr lang="en-US" baseline="-25000" dirty="0">
                 <a:solidFill>
                   <a:srgbClr val="0000FF"/>
                 </a:solidFill>
@@ -26166,7 +26465,7 @@
               <a:t>1</a:t>
             </a:r>
             <a:r>
-              <a:rPr lang="en-US" dirty="0" smtClean="0">
+              <a:rPr lang="en-US" dirty="0">
                 <a:solidFill>
                   <a:srgbClr val="0000FF"/>
                 </a:solidFill>
@@ -26174,7 +26473,7 @@
               <a:t>) + filter(</a:t>
             </a:r>
             <a:r>
-              <a:rPr lang="en-US" i="1" dirty="0" smtClean="0">
+              <a:rPr lang="en-US" i="1" dirty="0">
                 <a:solidFill>
                   <a:srgbClr val="0000FF"/>
                 </a:solidFill>
@@ -26182,7 +26481,7 @@
               <a:t>f</a:t>
             </a:r>
             <a:r>
-              <a:rPr lang="en-US" baseline="-25000" dirty="0" smtClean="0">
+              <a:rPr lang="en-US" baseline="-25000" dirty="0">
                 <a:solidFill>
                   <a:srgbClr val="0000FF"/>
                 </a:solidFill>
@@ -26190,7 +26489,7 @@
               <a:t>2</a:t>
             </a:r>
             <a:r>
-              <a:rPr lang="en-US" dirty="0" smtClean="0">
+              <a:rPr lang="en-US" dirty="0">
                 <a:solidFill>
                   <a:srgbClr val="0000FF"/>
                 </a:solidFill>
@@ -26204,15 +26503,15 @@
               <a:buChar char="•"/>
             </a:pPr>
             <a:r>
-              <a:rPr lang="en-US" b="1" dirty="0" smtClean="0"/>
+              <a:rPr lang="en-US" b="1" dirty="0"/>
               <a:t>Shift invariance:</a:t>
             </a:r>
             <a:r>
-              <a:rPr lang="en-US" dirty="0" smtClean="0"/>
+              <a:rPr lang="en-US" dirty="0"/>
               <a:t> same behavior regardless of pixel location: </a:t>
             </a:r>
             <a:r>
-              <a:rPr lang="en-US" dirty="0" smtClean="0">
+              <a:rPr lang="en-US" dirty="0">
                 <a:solidFill>
                   <a:srgbClr val="0000FF"/>
                 </a:solidFill>
@@ -26220,7 +26519,7 @@
               <a:t>filter(shift(</a:t>
             </a:r>
             <a:r>
-              <a:rPr lang="en-US" i="1" dirty="0" smtClean="0">
+              <a:rPr lang="en-US" i="1" dirty="0">
                 <a:solidFill>
                   <a:srgbClr val="0000FF"/>
                 </a:solidFill>
@@ -26228,7 +26527,7 @@
               <a:t>f</a:t>
             </a:r>
             <a:r>
-              <a:rPr lang="en-US" dirty="0" smtClean="0">
+              <a:rPr lang="en-US" dirty="0">
                 <a:solidFill>
                   <a:srgbClr val="0000FF"/>
                 </a:solidFill>
@@ -26236,7 +26535,7 @@
               <a:t>)) = shift(filter(</a:t>
             </a:r>
             <a:r>
-              <a:rPr lang="en-US" i="1" dirty="0" smtClean="0">
+              <a:rPr lang="en-US" i="1" dirty="0">
                 <a:solidFill>
                   <a:srgbClr val="0000FF"/>
                 </a:solidFill>
@@ -26244,7 +26543,7 @@
               <a:t>f</a:t>
             </a:r>
             <a:r>
-              <a:rPr lang="en-US" dirty="0" smtClean="0">
+              <a:rPr lang="en-US" dirty="0">
                 <a:solidFill>
                   <a:srgbClr val="0000FF"/>
                 </a:solidFill>
@@ -26258,7 +26557,7 @@
               <a:buChar char="•"/>
             </a:pPr>
             <a:r>
-              <a:rPr lang="en-US" dirty="0" smtClean="0"/>
+              <a:rPr lang="en-US" dirty="0"/>
               <a:t>Theoretical result: any linear shift-invariant operator can be represented as a convolution</a:t>
             </a:r>
           </a:p>
@@ -26267,7 +26566,7 @@
               <a:buFontTx/>
               <a:buChar char="•"/>
             </a:pPr>
-            <a:endParaRPr lang="en-US" dirty="0" smtClean="0"/>
+            <a:endParaRPr lang="en-US" dirty="0"/>
           </a:p>
         </p:txBody>
       </p:sp>
@@ -26492,7 +26791,7 @@
           <a:lstStyle/>
           <a:p>
             <a:r>
-              <a:rPr lang="en-US" smtClean="0"/>
+              <a:rPr lang="en-US"/>
               <a:t>Properties in more detail</a:t>
             </a:r>
           </a:p>
@@ -26523,11 +26822,11 @@
               <a:buChar char="•"/>
             </a:pPr>
             <a:r>
-              <a:rPr lang="en-US" dirty="0" smtClean="0"/>
+              <a:rPr lang="en-US" dirty="0"/>
               <a:t>Commutative: </a:t>
             </a:r>
             <a:r>
-              <a:rPr lang="en-US" i="1" dirty="0" smtClean="0">
+              <a:rPr lang="en-US" i="1" dirty="0">
                 <a:solidFill>
                   <a:srgbClr val="0000FF"/>
                 </a:solidFill>
@@ -26535,7 +26834,7 @@
               <a:t>a</a:t>
             </a:r>
             <a:r>
-              <a:rPr lang="en-US" dirty="0" smtClean="0">
+              <a:rPr lang="en-US" dirty="0">
                 <a:solidFill>
                   <a:srgbClr val="0000FF"/>
                 </a:solidFill>
@@ -26543,7 +26842,7 @@
               <a:t> * </a:t>
             </a:r>
             <a:r>
-              <a:rPr lang="en-US" i="1" dirty="0" smtClean="0">
+              <a:rPr lang="en-US" i="1" dirty="0">
                 <a:solidFill>
                   <a:srgbClr val="0000FF"/>
                 </a:solidFill>
@@ -26551,7 +26850,7 @@
               <a:t>b</a:t>
             </a:r>
             <a:r>
-              <a:rPr lang="en-US" dirty="0" smtClean="0">
+              <a:rPr lang="en-US" dirty="0">
                 <a:solidFill>
                   <a:srgbClr val="0000FF"/>
                 </a:solidFill>
@@ -26559,7 +26858,7 @@
               <a:t> = </a:t>
             </a:r>
             <a:r>
-              <a:rPr lang="en-US" i="1" dirty="0" smtClean="0">
+              <a:rPr lang="en-US" i="1" dirty="0">
                 <a:solidFill>
                   <a:srgbClr val="0000FF"/>
                 </a:solidFill>
@@ -26567,7 +26866,7 @@
               <a:t>b</a:t>
             </a:r>
             <a:r>
-              <a:rPr lang="en-US" dirty="0" smtClean="0">
+              <a:rPr lang="en-US" dirty="0">
                 <a:solidFill>
                   <a:srgbClr val="0000FF"/>
                 </a:solidFill>
@@ -26575,7 +26874,7 @@
               <a:t> * </a:t>
             </a:r>
             <a:r>
-              <a:rPr lang="en-US" i="1" dirty="0" smtClean="0">
+              <a:rPr lang="en-US" i="1" dirty="0">
                 <a:solidFill>
                   <a:srgbClr val="0000FF"/>
                 </a:solidFill>
@@ -26586,7 +26885,7 @@
           <a:p>
             <a:pPr lvl="1"/>
             <a:r>
-              <a:rPr lang="en-US" dirty="0" smtClean="0"/>
+              <a:rPr lang="en-US" dirty="0"/>
               <a:t>Conceptually no difference between filter and signal</a:t>
             </a:r>
           </a:p>
@@ -26596,11 +26895,11 @@
               <a:buChar char="•"/>
             </a:pPr>
             <a:r>
-              <a:rPr lang="en-US" dirty="0" smtClean="0"/>
+              <a:rPr lang="en-US" dirty="0"/>
               <a:t>Associative: </a:t>
             </a:r>
             <a:r>
-              <a:rPr lang="en-US" i="1" dirty="0" smtClean="0">
+              <a:rPr lang="en-US" i="1" dirty="0">
                 <a:solidFill>
                   <a:srgbClr val="0000FF"/>
                 </a:solidFill>
@@ -26608,7 +26907,7 @@
               <a:t>a</a:t>
             </a:r>
             <a:r>
-              <a:rPr lang="en-US" dirty="0" smtClean="0">
+              <a:rPr lang="en-US" dirty="0">
                 <a:solidFill>
                   <a:srgbClr val="0000FF"/>
                 </a:solidFill>
@@ -26616,7 +26915,7 @@
               <a:t> * (</a:t>
             </a:r>
             <a:r>
-              <a:rPr lang="en-US" i="1" dirty="0" smtClean="0">
+              <a:rPr lang="en-US" i="1" dirty="0">
                 <a:solidFill>
                   <a:srgbClr val="0000FF"/>
                 </a:solidFill>
@@ -26624,7 +26923,7 @@
               <a:t>b</a:t>
             </a:r>
             <a:r>
-              <a:rPr lang="en-US" dirty="0" smtClean="0">
+              <a:rPr lang="en-US" dirty="0">
                 <a:solidFill>
                   <a:srgbClr val="0000FF"/>
                 </a:solidFill>
@@ -26632,7 +26931,7 @@
               <a:t> * </a:t>
             </a:r>
             <a:r>
-              <a:rPr lang="en-US" i="1" dirty="0" smtClean="0">
+              <a:rPr lang="en-US" i="1" dirty="0">
                 <a:solidFill>
                   <a:srgbClr val="0000FF"/>
                 </a:solidFill>
@@ -26640,7 +26939,7 @@
               <a:t>c</a:t>
             </a:r>
             <a:r>
-              <a:rPr lang="en-US" dirty="0" smtClean="0">
+              <a:rPr lang="en-US" dirty="0">
                 <a:solidFill>
                   <a:srgbClr val="0000FF"/>
                 </a:solidFill>
@@ -26648,7 +26947,7 @@
               <a:t>) = (</a:t>
             </a:r>
             <a:r>
-              <a:rPr lang="en-US" i="1" dirty="0" smtClean="0">
+              <a:rPr lang="en-US" i="1" dirty="0">
                 <a:solidFill>
                   <a:srgbClr val="0000FF"/>
                 </a:solidFill>
@@ -26656,7 +26955,7 @@
               <a:t>a</a:t>
             </a:r>
             <a:r>
-              <a:rPr lang="en-US" dirty="0" smtClean="0">
+              <a:rPr lang="en-US" dirty="0">
                 <a:solidFill>
                   <a:srgbClr val="0000FF"/>
                 </a:solidFill>
@@ -26664,7 +26963,7 @@
               <a:t> * </a:t>
             </a:r>
             <a:r>
-              <a:rPr lang="en-US" i="1" dirty="0" smtClean="0">
+              <a:rPr lang="en-US" i="1" dirty="0">
                 <a:solidFill>
                   <a:srgbClr val="0000FF"/>
                 </a:solidFill>
@@ -26672,7 +26971,7 @@
               <a:t>b</a:t>
             </a:r>
             <a:r>
-              <a:rPr lang="en-US" dirty="0" smtClean="0">
+              <a:rPr lang="en-US" dirty="0">
                 <a:solidFill>
                   <a:srgbClr val="0000FF"/>
                 </a:solidFill>
@@ -26680,7 +26979,7 @@
               <a:t>) * </a:t>
             </a:r>
             <a:r>
-              <a:rPr lang="en-US" i="1" dirty="0" smtClean="0">
+              <a:rPr lang="en-US" i="1" dirty="0">
                 <a:solidFill>
                   <a:srgbClr val="0000FF"/>
                 </a:solidFill>
@@ -26691,11 +26990,11 @@
           <a:p>
             <a:pPr lvl="1"/>
             <a:r>
-              <a:rPr lang="en-US" dirty="0" smtClean="0"/>
+              <a:rPr lang="en-US" dirty="0"/>
               <a:t>Often apply several filters one after another: </a:t>
             </a:r>
             <a:r>
-              <a:rPr lang="en-US" dirty="0" smtClean="0">
+              <a:rPr lang="en-US" dirty="0">
                 <a:solidFill>
                   <a:srgbClr val="0000FF"/>
                 </a:solidFill>
@@ -26703,7 +27002,7 @@
               <a:t>(((</a:t>
             </a:r>
             <a:r>
-              <a:rPr lang="en-US" i="1" dirty="0" smtClean="0">
+              <a:rPr lang="en-US" i="1" dirty="0">
                 <a:solidFill>
                   <a:srgbClr val="0000FF"/>
                 </a:solidFill>
@@ -26711,7 +27010,7 @@
               <a:t>a</a:t>
             </a:r>
             <a:r>
-              <a:rPr lang="en-US" dirty="0" smtClean="0">
+              <a:rPr lang="en-US" dirty="0">
                 <a:solidFill>
                   <a:srgbClr val="0000FF"/>
                 </a:solidFill>
@@ -26719,7 +27018,7 @@
               <a:t> * </a:t>
             </a:r>
             <a:r>
-              <a:rPr lang="en-US" i="1" dirty="0" smtClean="0">
+              <a:rPr lang="en-US" i="1" dirty="0">
                 <a:solidFill>
                   <a:srgbClr val="0000FF"/>
                 </a:solidFill>
@@ -26727,7 +27026,7 @@
               <a:t>b</a:t>
             </a:r>
             <a:r>
-              <a:rPr lang="en-US" baseline="-25000" dirty="0" smtClean="0">
+              <a:rPr lang="en-US" baseline="-25000" dirty="0">
                 <a:solidFill>
                   <a:srgbClr val="0000FF"/>
                 </a:solidFill>
@@ -26735,7 +27034,7 @@
               <a:t>1</a:t>
             </a:r>
             <a:r>
-              <a:rPr lang="en-US" dirty="0" smtClean="0">
+              <a:rPr lang="en-US" dirty="0">
                 <a:solidFill>
                   <a:srgbClr val="0000FF"/>
                 </a:solidFill>
@@ -26743,7 +27042,7 @@
               <a:t>) * </a:t>
             </a:r>
             <a:r>
-              <a:rPr lang="en-US" i="1" dirty="0" smtClean="0">
+              <a:rPr lang="en-US" i="1" dirty="0">
                 <a:solidFill>
                   <a:srgbClr val="0000FF"/>
                 </a:solidFill>
@@ -26751,7 +27050,7 @@
               <a:t>b</a:t>
             </a:r>
             <a:r>
-              <a:rPr lang="en-US" baseline="-25000" dirty="0" smtClean="0">
+              <a:rPr lang="en-US" baseline="-25000" dirty="0">
                 <a:solidFill>
                   <a:srgbClr val="0000FF"/>
                 </a:solidFill>
@@ -26759,7 +27058,7 @@
               <a:t>2</a:t>
             </a:r>
             <a:r>
-              <a:rPr lang="en-US" dirty="0" smtClean="0">
+              <a:rPr lang="en-US" dirty="0">
                 <a:solidFill>
                   <a:srgbClr val="0000FF"/>
                 </a:solidFill>
@@ -26767,7 +27066,7 @@
               <a:t>) * </a:t>
             </a:r>
             <a:r>
-              <a:rPr lang="en-US" i="1" dirty="0" smtClean="0">
+              <a:rPr lang="en-US" i="1" dirty="0">
                 <a:solidFill>
                   <a:srgbClr val="0000FF"/>
                 </a:solidFill>
@@ -26775,7 +27074,7 @@
               <a:t>b</a:t>
             </a:r>
             <a:r>
-              <a:rPr lang="en-US" baseline="-25000" dirty="0" smtClean="0">
+              <a:rPr lang="en-US" baseline="-25000" dirty="0">
                 <a:solidFill>
                   <a:srgbClr val="0000FF"/>
                 </a:solidFill>
@@ -26783,7 +27082,7 @@
               <a:t>3</a:t>
             </a:r>
             <a:r>
-              <a:rPr lang="en-US" dirty="0" smtClean="0">
+              <a:rPr lang="en-US" dirty="0">
                 <a:solidFill>
                   <a:srgbClr val="0000FF"/>
                 </a:solidFill>
@@ -26794,11 +27093,11 @@
           <a:p>
             <a:pPr lvl="1"/>
             <a:r>
-              <a:rPr lang="en-US" dirty="0" smtClean="0"/>
+              <a:rPr lang="en-US" dirty="0"/>
               <a:t>This is equivalent to applying one filter: </a:t>
             </a:r>
             <a:r>
-              <a:rPr lang="en-US" dirty="0" smtClean="0">
+              <a:rPr lang="en-US" dirty="0">
                 <a:solidFill>
                   <a:srgbClr val="0000FF"/>
                 </a:solidFill>
@@ -26806,7 +27105,7 @@
               <a:t>a * (</a:t>
             </a:r>
             <a:r>
-              <a:rPr lang="en-US" i="1" dirty="0" smtClean="0">
+              <a:rPr lang="en-US" i="1" dirty="0">
                 <a:solidFill>
                   <a:srgbClr val="0000FF"/>
                 </a:solidFill>
@@ -26814,7 +27113,7 @@
               <a:t>b</a:t>
             </a:r>
             <a:r>
-              <a:rPr lang="en-US" baseline="-25000" dirty="0" smtClean="0">
+              <a:rPr lang="en-US" baseline="-25000" dirty="0">
                 <a:solidFill>
                   <a:srgbClr val="0000FF"/>
                 </a:solidFill>
@@ -26822,7 +27121,7 @@
               <a:t>1</a:t>
             </a:r>
             <a:r>
-              <a:rPr lang="en-US" dirty="0" smtClean="0">
+              <a:rPr lang="en-US" dirty="0">
                 <a:solidFill>
                   <a:srgbClr val="0000FF"/>
                 </a:solidFill>
@@ -26830,7 +27129,7 @@
               <a:t> * </a:t>
             </a:r>
             <a:r>
-              <a:rPr lang="en-US" i="1" dirty="0" smtClean="0">
+              <a:rPr lang="en-US" i="1" dirty="0">
                 <a:solidFill>
                   <a:srgbClr val="0000FF"/>
                 </a:solidFill>
@@ -26838,7 +27137,7 @@
               <a:t>b</a:t>
             </a:r>
             <a:r>
-              <a:rPr lang="en-US" baseline="-25000" dirty="0" smtClean="0">
+              <a:rPr lang="en-US" baseline="-25000" dirty="0">
                 <a:solidFill>
                   <a:srgbClr val="0000FF"/>
                 </a:solidFill>
@@ -26846,7 +27145,7 @@
               <a:t>2</a:t>
             </a:r>
             <a:r>
-              <a:rPr lang="en-US" dirty="0" smtClean="0">
+              <a:rPr lang="en-US" dirty="0">
                 <a:solidFill>
                   <a:srgbClr val="0000FF"/>
                 </a:solidFill>
@@ -26854,7 +27153,7 @@
               <a:t> * </a:t>
             </a:r>
             <a:r>
-              <a:rPr lang="en-US" i="1" dirty="0" smtClean="0">
+              <a:rPr lang="en-US" i="1" dirty="0">
                 <a:solidFill>
                   <a:srgbClr val="0000FF"/>
                 </a:solidFill>
@@ -26862,7 +27161,7 @@
               <a:t>b</a:t>
             </a:r>
             <a:r>
-              <a:rPr lang="en-US" baseline="-25000" dirty="0" smtClean="0">
+              <a:rPr lang="en-US" baseline="-25000" dirty="0">
                 <a:solidFill>
                   <a:srgbClr val="0000FF"/>
                 </a:solidFill>
@@ -26870,7 +27169,7 @@
               <a:t>3</a:t>
             </a:r>
             <a:r>
-              <a:rPr lang="en-US" dirty="0" smtClean="0">
+              <a:rPr lang="en-US" dirty="0">
                 <a:solidFill>
                   <a:srgbClr val="0000FF"/>
                 </a:solidFill>
@@ -26884,11 +27183,11 @@
               <a:buChar char="•"/>
             </a:pPr>
             <a:r>
-              <a:rPr lang="en-US" dirty="0" smtClean="0"/>
+              <a:rPr lang="en-US" dirty="0"/>
               <a:t>Distributes over addition: </a:t>
             </a:r>
             <a:r>
-              <a:rPr lang="en-US" i="1" dirty="0" smtClean="0">
+              <a:rPr lang="en-US" i="1" dirty="0">
                 <a:solidFill>
                   <a:srgbClr val="0000FF"/>
                 </a:solidFill>
@@ -26896,7 +27195,7 @@
               <a:t>a</a:t>
             </a:r>
             <a:r>
-              <a:rPr lang="en-US" dirty="0" smtClean="0">
+              <a:rPr lang="en-US" dirty="0">
                 <a:solidFill>
                   <a:srgbClr val="0000FF"/>
                 </a:solidFill>
@@ -26904,7 +27203,7 @@
               <a:t> * (</a:t>
             </a:r>
             <a:r>
-              <a:rPr lang="en-US" i="1" dirty="0" smtClean="0">
+              <a:rPr lang="en-US" i="1" dirty="0">
                 <a:solidFill>
                   <a:srgbClr val="0000FF"/>
                 </a:solidFill>
@@ -26912,7 +27211,7 @@
               <a:t>b</a:t>
             </a:r>
             <a:r>
-              <a:rPr lang="en-US" dirty="0" smtClean="0">
+              <a:rPr lang="en-US" dirty="0">
                 <a:solidFill>
                   <a:srgbClr val="0000FF"/>
                 </a:solidFill>
@@ -26920,7 +27219,7 @@
               <a:t> + </a:t>
             </a:r>
             <a:r>
-              <a:rPr lang="en-US" i="1" dirty="0" smtClean="0">
+              <a:rPr lang="en-US" i="1" dirty="0">
                 <a:solidFill>
                   <a:srgbClr val="0000FF"/>
                 </a:solidFill>
@@ -26928,7 +27227,7 @@
               <a:t>c</a:t>
             </a:r>
             <a:r>
-              <a:rPr lang="en-US" dirty="0" smtClean="0">
+              <a:rPr lang="en-US" dirty="0">
                 <a:solidFill>
                   <a:srgbClr val="0000FF"/>
                 </a:solidFill>
@@ -26936,7 +27235,7 @@
               <a:t>) = (</a:t>
             </a:r>
             <a:r>
-              <a:rPr lang="en-US" i="1" dirty="0" smtClean="0">
+              <a:rPr lang="en-US" i="1" dirty="0">
                 <a:solidFill>
                   <a:srgbClr val="0000FF"/>
                 </a:solidFill>
@@ -26944,7 +27243,7 @@
               <a:t>a</a:t>
             </a:r>
             <a:r>
-              <a:rPr lang="en-US" dirty="0" smtClean="0">
+              <a:rPr lang="en-US" dirty="0">
                 <a:solidFill>
                   <a:srgbClr val="0000FF"/>
                 </a:solidFill>
@@ -26952,7 +27251,7 @@
               <a:t> * </a:t>
             </a:r>
             <a:r>
-              <a:rPr lang="en-US" i="1" dirty="0" smtClean="0">
+              <a:rPr lang="en-US" i="1" dirty="0">
                 <a:solidFill>
                   <a:srgbClr val="0000FF"/>
                 </a:solidFill>
@@ -26960,7 +27259,7 @@
               <a:t>b</a:t>
             </a:r>
             <a:r>
-              <a:rPr lang="en-US" dirty="0" smtClean="0">
+              <a:rPr lang="en-US" dirty="0">
                 <a:solidFill>
                   <a:srgbClr val="0000FF"/>
                 </a:solidFill>
@@ -26968,7 +27267,7 @@
               <a:t>) + (</a:t>
             </a:r>
             <a:r>
-              <a:rPr lang="en-US" i="1" dirty="0" smtClean="0">
+              <a:rPr lang="en-US" i="1" dirty="0">
                 <a:solidFill>
                   <a:srgbClr val="0000FF"/>
                 </a:solidFill>
@@ -26976,7 +27275,7 @@
               <a:t>a</a:t>
             </a:r>
             <a:r>
-              <a:rPr lang="en-US" dirty="0" smtClean="0">
+              <a:rPr lang="en-US" dirty="0">
                 <a:solidFill>
                   <a:srgbClr val="0000FF"/>
                 </a:solidFill>
@@ -26984,7 +27283,7 @@
               <a:t> * </a:t>
             </a:r>
             <a:r>
-              <a:rPr lang="en-US" i="1" dirty="0" smtClean="0">
+              <a:rPr lang="en-US" i="1" dirty="0">
                 <a:solidFill>
                   <a:srgbClr val="0000FF"/>
                 </a:solidFill>
@@ -26992,7 +27291,7 @@
               <a:t>c</a:t>
             </a:r>
             <a:r>
-              <a:rPr lang="en-US" dirty="0" smtClean="0">
+              <a:rPr lang="en-US" dirty="0">
                 <a:solidFill>
                   <a:srgbClr val="0000FF"/>
                 </a:solidFill>
@@ -27006,11 +27305,11 @@
               <a:buChar char="•"/>
             </a:pPr>
             <a:r>
-              <a:rPr lang="en-US" dirty="0" smtClean="0"/>
+              <a:rPr lang="en-US" dirty="0"/>
               <a:t>Scalars factor out: </a:t>
             </a:r>
             <a:r>
-              <a:rPr lang="en-US" i="1" dirty="0" smtClean="0">
+              <a:rPr lang="en-US" i="1" dirty="0">
                 <a:solidFill>
                   <a:srgbClr val="0000FF"/>
                 </a:solidFill>
@@ -27018,7 +27317,7 @@
               <a:t>ka * b = a * kb = k </a:t>
             </a:r>
             <a:r>
-              <a:rPr lang="en-US" dirty="0" smtClean="0">
+              <a:rPr lang="en-US" dirty="0">
                 <a:solidFill>
                   <a:srgbClr val="0000FF"/>
                 </a:solidFill>
@@ -27026,7 +27325,7 @@
               <a:t>(</a:t>
             </a:r>
             <a:r>
-              <a:rPr lang="en-US" i="1" dirty="0" smtClean="0">
+              <a:rPr lang="en-US" i="1" dirty="0">
                 <a:solidFill>
                   <a:srgbClr val="0000FF"/>
                 </a:solidFill>
@@ -27034,7 +27333,7 @@
               <a:t>a</a:t>
             </a:r>
             <a:r>
-              <a:rPr lang="en-US" dirty="0" smtClean="0">
+              <a:rPr lang="en-US" dirty="0">
                 <a:solidFill>
                   <a:srgbClr val="0000FF"/>
                 </a:solidFill>
@@ -27042,7 +27341,7 @@
               <a:t> * </a:t>
             </a:r>
             <a:r>
-              <a:rPr lang="en-US" i="1" dirty="0" smtClean="0">
+              <a:rPr lang="en-US" i="1" dirty="0">
                 <a:solidFill>
                   <a:srgbClr val="0000FF"/>
                 </a:solidFill>
@@ -27050,7 +27349,7 @@
               <a:t>b</a:t>
             </a:r>
             <a:r>
-              <a:rPr lang="en-US" dirty="0" smtClean="0">
+              <a:rPr lang="en-US" dirty="0">
                 <a:solidFill>
                   <a:srgbClr val="0000FF"/>
                 </a:solidFill>
@@ -27064,11 +27363,11 @@
               <a:buChar char="•"/>
             </a:pPr>
             <a:r>
-              <a:rPr lang="en-US" dirty="0" smtClean="0"/>
+              <a:rPr lang="en-US" dirty="0"/>
               <a:t>Identity: unit impulse </a:t>
             </a:r>
             <a:r>
-              <a:rPr lang="en-US" i="1" dirty="0" smtClean="0">
+              <a:rPr lang="en-US" i="1" dirty="0">
                 <a:solidFill>
                   <a:srgbClr val="0000FF"/>
                 </a:solidFill>
@@ -27076,7 +27375,7 @@
               <a:t>e</a:t>
             </a:r>
             <a:r>
-              <a:rPr lang="en-US" dirty="0" smtClean="0">
+              <a:rPr lang="en-US" dirty="0">
                 <a:solidFill>
                   <a:srgbClr val="0000FF"/>
                 </a:solidFill>
@@ -27084,14 +27383,14 @@
               <a:t> = […, 0, 0, 1, 0, 0, …]</a:t>
             </a:r>
             <a:r>
-              <a:rPr lang="en-US" dirty="0" smtClean="0"/>
+              <a:rPr lang="en-US" dirty="0"/>
               <a:t>,</a:t>
             </a:r>
             <a:br>
-              <a:rPr lang="en-US" dirty="0" smtClean="0"/>
+              <a:rPr lang="en-US" dirty="0"/>
             </a:br>
             <a:r>
-              <a:rPr lang="en-US" i="1" dirty="0" smtClean="0">
+              <a:rPr lang="en-US" i="1" dirty="0">
                 <a:solidFill>
                   <a:srgbClr val="0000FF"/>
                 </a:solidFill>
@@ -27099,7 +27398,7 @@
               <a:t>a</a:t>
             </a:r>
             <a:r>
-              <a:rPr lang="en-US" dirty="0" smtClean="0">
+              <a:rPr lang="en-US" dirty="0">
                 <a:solidFill>
                   <a:srgbClr val="0000FF"/>
                 </a:solidFill>
@@ -27107,7 +27406,7 @@
               <a:t> * </a:t>
             </a:r>
             <a:r>
-              <a:rPr lang="en-US" i="1" dirty="0" smtClean="0">
+              <a:rPr lang="en-US" i="1" dirty="0">
                 <a:solidFill>
                   <a:srgbClr val="0000FF"/>
                 </a:solidFill>
@@ -27115,7 +27414,7 @@
               <a:t>e</a:t>
             </a:r>
             <a:r>
-              <a:rPr lang="en-US" dirty="0" smtClean="0">
+              <a:rPr lang="en-US" dirty="0">
                 <a:solidFill>
                   <a:srgbClr val="0000FF"/>
                 </a:solidFill>
@@ -27123,7 +27422,7 @@
               <a:t> = </a:t>
             </a:r>
             <a:r>
-              <a:rPr lang="en-US" i="1" dirty="0" smtClean="0">
+              <a:rPr lang="en-US" i="1" dirty="0">
                 <a:solidFill>
                   <a:srgbClr val="0000FF"/>
                 </a:solidFill>
@@ -27136,7 +27435,7 @@
               <a:buFontTx/>
               <a:buNone/>
             </a:pPr>
-            <a:endParaRPr lang="en-US" dirty="0" smtClean="0"/>
+            <a:endParaRPr lang="en-US" dirty="0"/>
           </a:p>
         </p:txBody>
       </p:sp>
@@ -27589,7 +27888,7 @@
           <a:lstStyle/>
           <a:p>
             <a:r>
-              <a:rPr lang="en-US" dirty="0" smtClean="0"/>
+              <a:rPr lang="en-US" dirty="0"/>
               <a:t>Dealing with edges</a:t>
             </a:r>
           </a:p>
@@ -27611,7 +27910,7 @@
           <a:lstStyle/>
           <a:p>
             <a:r>
-              <a:rPr lang="en-US" dirty="0" smtClean="0"/>
+              <a:rPr lang="en-US" dirty="0"/>
               <a:t>What is the size of the output?</a:t>
             </a:r>
           </a:p>
@@ -27621,11 +27920,11 @@
               <a:buChar char="•"/>
             </a:pPr>
             <a:r>
-              <a:rPr lang="en-US" dirty="0" smtClean="0"/>
+              <a:rPr lang="en-US" dirty="0"/>
               <a:t>MATLAB: </a:t>
             </a:r>
             <a:r>
-              <a:rPr lang="en-US" dirty="0" smtClean="0">
+              <a:rPr lang="en-US" dirty="0">
                 <a:solidFill>
                   <a:srgbClr val="0000FF"/>
                 </a:solidFill>
@@ -27633,7 +27932,7 @@
               <a:t>filter2(g, f, </a:t>
             </a:r>
             <a:r>
-              <a:rPr lang="en-US" i="1" dirty="0" smtClean="0">
+              <a:rPr lang="en-US" i="1" dirty="0">
                 <a:solidFill>
                   <a:srgbClr val="0000FF"/>
                 </a:solidFill>
@@ -27641,7 +27940,7 @@
               <a:t>shape</a:t>
             </a:r>
             <a:r>
-              <a:rPr lang="en-US" dirty="0" smtClean="0">
+              <a:rPr lang="en-US" dirty="0">
                 <a:solidFill>
                   <a:srgbClr val="0000FF"/>
                 </a:solidFill>
@@ -27652,7 +27951,7 @@
           <a:p>
             <a:pPr lvl="1"/>
             <a:r>
-              <a:rPr lang="en-US" i="1" dirty="0" smtClean="0">
+              <a:rPr lang="en-US" i="1" dirty="0">
                 <a:solidFill>
                   <a:srgbClr val="0000FF"/>
                 </a:solidFill>
@@ -27660,7 +27959,7 @@
               <a:t>shape</a:t>
             </a:r>
             <a:r>
-              <a:rPr lang="en-US" dirty="0" smtClean="0">
+              <a:rPr lang="en-US" dirty="0">
                 <a:solidFill>
                   <a:srgbClr val="0000FF"/>
                 </a:solidFill>
@@ -27668,14 +27967,14 @@
               <a:t> = ‘full’: </a:t>
             </a:r>
             <a:r>
-              <a:rPr lang="en-US" dirty="0" smtClean="0"/>
+              <a:rPr lang="en-US" dirty="0"/>
               <a:t>output size is sum of sizes of f and g</a:t>
             </a:r>
           </a:p>
           <a:p>
             <a:pPr lvl="1"/>
             <a:r>
-              <a:rPr lang="en-US" i="1" dirty="0" smtClean="0">
+              <a:rPr lang="en-US" i="1" dirty="0">
                 <a:solidFill>
                   <a:srgbClr val="0000FF"/>
                 </a:solidFill>
@@ -27683,7 +27982,7 @@
               <a:t>shape</a:t>
             </a:r>
             <a:r>
-              <a:rPr lang="en-US" dirty="0" smtClean="0">
+              <a:rPr lang="en-US" dirty="0">
                 <a:solidFill>
                   <a:srgbClr val="0000FF"/>
                 </a:solidFill>
@@ -27691,14 +27990,14 @@
               <a:t> = ‘same’: </a:t>
             </a:r>
             <a:r>
-              <a:rPr lang="en-US" dirty="0" smtClean="0"/>
+              <a:rPr lang="en-US" dirty="0"/>
               <a:t>output size is same as f</a:t>
             </a:r>
           </a:p>
           <a:p>
             <a:pPr lvl="1"/>
             <a:r>
-              <a:rPr lang="en-US" i="1" dirty="0" smtClean="0">
+              <a:rPr lang="en-US" i="1" dirty="0">
                 <a:solidFill>
                   <a:srgbClr val="0000FF"/>
                 </a:solidFill>
@@ -27706,7 +28005,7 @@
               <a:t>shape</a:t>
             </a:r>
             <a:r>
-              <a:rPr lang="en-US" dirty="0" smtClean="0">
+              <a:rPr lang="en-US" dirty="0">
                 <a:solidFill>
                   <a:srgbClr val="0000FF"/>
                 </a:solidFill>
@@ -27714,7 +28013,7 @@
               <a:t> = ‘valid’: </a:t>
             </a:r>
             <a:r>
-              <a:rPr lang="en-US" dirty="0" smtClean="0"/>
+              <a:rPr lang="en-US" dirty="0"/>
               <a:t>output size is difference of sizes of f and g </a:t>
             </a:r>
           </a:p>
@@ -28471,13 +28770,6 @@
   <p:clrMapOvr>
     <a:masterClrMapping/>
   </p:clrMapOvr>
-  <p:timing>
-    <p:tnLst>
-      <p:par>
-        <p:cTn id="1" dur="indefinite" restart="never" nodeType="tmRoot"/>
-      </p:par>
-    </p:tnLst>
-  </p:timing>
 </p:sld>
 </file>
 
@@ -28514,7 +28806,7 @@
           <a:lstStyle/>
           <a:p>
             <a:r>
-              <a:rPr lang="en-US" dirty="0" smtClean="0"/>
+              <a:rPr lang="en-US" dirty="0"/>
               <a:t>Dealing with edges</a:t>
             </a:r>
           </a:p>
@@ -28536,56 +28828,56 @@
           <a:lstStyle/>
           <a:p>
             <a:r>
-              <a:rPr lang="en-US" dirty="0" smtClean="0"/>
+              <a:rPr lang="en-US" dirty="0"/>
               <a:t>What about missing pixel values?</a:t>
             </a:r>
           </a:p>
           <a:p>
             <a:pPr lvl="1"/>
             <a:r>
-              <a:rPr lang="en-US" dirty="0" smtClean="0"/>
+              <a:rPr lang="en-US" dirty="0"/>
               <a:t>the filter window falls off the edge of the image</a:t>
             </a:r>
           </a:p>
           <a:p>
             <a:pPr lvl="1"/>
             <a:r>
-              <a:rPr lang="en-US" dirty="0" smtClean="0"/>
+              <a:rPr lang="en-US" dirty="0"/>
               <a:t>need to extrapolate</a:t>
             </a:r>
           </a:p>
           <a:p>
             <a:pPr lvl="1"/>
             <a:r>
-              <a:rPr lang="en-US" dirty="0" smtClean="0"/>
+              <a:rPr lang="en-US" dirty="0"/>
               <a:t>methods:</a:t>
             </a:r>
           </a:p>
           <a:p>
             <a:pPr lvl="2"/>
             <a:r>
-              <a:rPr lang="en-US" dirty="0" smtClean="0"/>
+              <a:rPr lang="en-US" dirty="0"/>
               <a:t>clip filter (black)</a:t>
             </a:r>
           </a:p>
           <a:p>
             <a:pPr lvl="2"/>
             <a:r>
-              <a:rPr lang="en-US" dirty="0" smtClean="0"/>
+              <a:rPr lang="en-US" dirty="0"/>
               <a:t>wrap around</a:t>
             </a:r>
           </a:p>
           <a:p>
             <a:pPr lvl="2"/>
             <a:r>
-              <a:rPr lang="en-US" dirty="0" smtClean="0"/>
+              <a:rPr lang="en-US" dirty="0"/>
               <a:t>copy edge</a:t>
             </a:r>
           </a:p>
           <a:p>
             <a:pPr lvl="2"/>
             <a:r>
-              <a:rPr lang="en-US" dirty="0" smtClean="0"/>
+              <a:rPr lang="en-US" dirty="0"/>
               <a:t>reflect across edge</a:t>
             </a:r>
           </a:p>
@@ -29655,7 +29947,7 @@
           <a:lstStyle/>
           <a:p>
             <a:r>
-              <a:rPr lang="en-US" dirty="0" smtClean="0"/>
+              <a:rPr lang="en-US" dirty="0"/>
               <a:t>Dealing with edges</a:t>
             </a:r>
           </a:p>
@@ -29677,39 +29969,39 @@
           <a:lstStyle/>
           <a:p>
             <a:r>
-              <a:rPr lang="en-US" dirty="0" smtClean="0"/>
+              <a:rPr lang="en-US" dirty="0"/>
               <a:t>What about missing pixel values?</a:t>
             </a:r>
           </a:p>
           <a:p>
             <a:pPr lvl="1"/>
             <a:r>
-              <a:rPr lang="en-US" dirty="0" smtClean="0"/>
+              <a:rPr lang="en-US" dirty="0"/>
               <a:t>the filter window falls off the edge of the image</a:t>
             </a:r>
           </a:p>
           <a:p>
             <a:pPr lvl="1"/>
             <a:r>
-              <a:rPr lang="en-US" dirty="0" smtClean="0"/>
+              <a:rPr lang="en-US" dirty="0"/>
               <a:t>need to extrapolate</a:t>
             </a:r>
           </a:p>
           <a:p>
             <a:pPr lvl="1"/>
             <a:r>
-              <a:rPr lang="en-US" dirty="0" smtClean="0"/>
+              <a:rPr lang="en-US" dirty="0"/>
               <a:t>methods (MATLAB):</a:t>
             </a:r>
           </a:p>
           <a:p>
             <a:pPr lvl="2"/>
             <a:r>
-              <a:rPr lang="en-US" dirty="0" smtClean="0"/>
+              <a:rPr lang="en-US" dirty="0"/>
               <a:t>clip filter (black): 	</a:t>
             </a:r>
             <a:r>
-              <a:rPr lang="en-US" dirty="0" err="1" smtClean="0">
+              <a:rPr lang="en-US" dirty="0" err="1">
                 <a:solidFill>
                   <a:srgbClr val="0000FF"/>
                 </a:solidFill>
@@ -29717,7 +30009,7 @@
               <a:t>imfilter</a:t>
             </a:r>
             <a:r>
-              <a:rPr lang="en-US" dirty="0" smtClean="0">
+              <a:rPr lang="en-US" dirty="0">
                 <a:solidFill>
                   <a:srgbClr val="0000FF"/>
                 </a:solidFill>
@@ -29728,11 +30020,11 @@
           <a:p>
             <a:pPr lvl="2"/>
             <a:r>
-              <a:rPr lang="en-US" dirty="0" smtClean="0"/>
+              <a:rPr lang="en-US" dirty="0"/>
               <a:t>wrap around:		</a:t>
             </a:r>
             <a:r>
-              <a:rPr lang="en-US" dirty="0" err="1" smtClean="0">
+              <a:rPr lang="en-US" dirty="0" err="1">
                 <a:solidFill>
                   <a:srgbClr val="0000FF"/>
                 </a:solidFill>
@@ -29740,7 +30032,7 @@
               <a:t>imfilter</a:t>
             </a:r>
             <a:r>
-              <a:rPr lang="en-US" dirty="0" smtClean="0">
+              <a:rPr lang="en-US" dirty="0">
                 <a:solidFill>
                   <a:srgbClr val="0000FF"/>
                 </a:solidFill>
@@ -29751,11 +30043,11 @@
           <a:p>
             <a:pPr lvl="2"/>
             <a:r>
-              <a:rPr lang="en-US" dirty="0" smtClean="0"/>
+              <a:rPr lang="en-US" dirty="0"/>
               <a:t>copy edge: 		</a:t>
             </a:r>
             <a:r>
-              <a:rPr lang="en-US" dirty="0" err="1" smtClean="0">
+              <a:rPr lang="en-US" dirty="0" err="1">
                 <a:solidFill>
                   <a:srgbClr val="0000FF"/>
                 </a:solidFill>
@@ -29763,7 +30055,7 @@
               <a:t>imfilter</a:t>
             </a:r>
             <a:r>
-              <a:rPr lang="en-US" dirty="0" smtClean="0">
+              <a:rPr lang="en-US" dirty="0">
                 <a:solidFill>
                   <a:srgbClr val="0000FF"/>
                 </a:solidFill>
@@ -29774,11 +30066,11 @@
           <a:p>
             <a:pPr lvl="2"/>
             <a:r>
-              <a:rPr lang="en-US" dirty="0" smtClean="0"/>
+              <a:rPr lang="en-US" dirty="0"/>
               <a:t>reflect across edge: 	</a:t>
             </a:r>
             <a:r>
-              <a:rPr lang="en-US" dirty="0" err="1" smtClean="0">
+              <a:rPr lang="en-US" dirty="0" err="1">
                 <a:solidFill>
                   <a:srgbClr val="0000FF"/>
                 </a:solidFill>
@@ -29786,7 +30078,7 @@
               <a:t>imfilter</a:t>
             </a:r>
             <a:r>
-              <a:rPr lang="en-US" dirty="0" smtClean="0">
+              <a:rPr lang="en-US" dirty="0">
                 <a:solidFill>
                   <a:srgbClr val="0000FF"/>
                 </a:solidFill>
@@ -29838,19 +30130,34 @@
   <p:clrMapOvr>
     <a:masterClrMapping/>
   </p:clrMapOvr>
-  <p:timing>
-    <p:tnLst>
-      <p:par>
-        <p:cTn id="1" dur="indefinite" restart="never" nodeType="tmRoot"/>
-      </p:par>
-    </p:tnLst>
-  </p:timing>
 </p:sld>
 </file>
 
 <file path=ppt/tags/tag1.xml><?xml version="1.0" encoding="utf-8"?>
 <p:tagLst xmlns:a="http://schemas.openxmlformats.org/drawingml/2006/main" xmlns:r="http://schemas.openxmlformats.org/officeDocument/2006/relationships" xmlns:p="http://schemas.openxmlformats.org/presentationml/2006/main">
   <p:tag name="_INSTRUCTOR VIEW19C14C36-AC8E-43BC-9DB6-C2AAF774C7DC|PANE__TAG" val="_"/>
+</p:tagLst>
+</file>
+
+<file path=ppt/tags/tag10.xml><?xml version="1.0" encoding="utf-8"?>
+<p:tagLst xmlns:a="http://schemas.openxmlformats.org/drawingml/2006/main" xmlns:r="http://schemas.openxmlformats.org/officeDocument/2006/relationships" xmlns:p="http://schemas.openxmlformats.org/presentationml/2006/main">
+  <p:tag name="SOURCE" val="\documentclass{slides}\pagestyle{empty}&#10;\begin{document}&#10;\[ G_{\sigma} =  \frac{1}{2 \pi \sigma^{2}} e^{-\frac{(x^{2} + y^{2})}{2 \sigma^{2}}} \]&#10;\end{document}&#10;"/>
+  <p:tag name="EXTERNALNAME" val="txp_fig"/>
+  <p:tag name="BLEND" val="False"/>
+  <p:tag name="TRANSPARENT" val="True"/>
+  <p:tag name="KEEPFILES" val="False"/>
+  <p:tag name="DEBUGPAUSE" val="False"/>
+  <p:tag name="RESOLUTION" val="300"/>
+  <p:tag name="TIMEOUT" val="(none)"/>
+  <p:tag name="BOXWIDTH" val="348"/>
+  <p:tag name="BOXHEIGHT" val="296"/>
+  <p:tag name="BOXFONT" val="10"/>
+  <p:tag name="BOXWRAP" val="False"/>
+  <p:tag name="WORKAROUNDTRANSPARENCYBUG" val="False"/>
+  <p:tag name="BITMAPFORMAT" val="bmpmono"/>
+  <p:tag name="DEBUGINTERACTIVE" val="True"/>
+  <p:tag name="ORIGWIDTH" val="194.875"/>
+  <p:tag name="PICTUREFILESIZE" val="21694"/>
 </p:tagLst>
 </file>
 
@@ -29862,18 +30169,7 @@
 
 <file path=ppt/tags/tag3.xml><?xml version="1.0" encoding="utf-8"?>
 <p:tagLst xmlns:a="http://schemas.openxmlformats.org/drawingml/2006/main" xmlns:r="http://schemas.openxmlformats.org/officeDocument/2006/relationships" xmlns:p="http://schemas.openxmlformats.org/presentationml/2006/main">
-  <p:tag name="SOURCE" val="\documentclass{slides}\pagestyle{empty}&#10;\begin{document}&#10;\small&#10;\[ \frac{1}{9} &#10;\]&#10;\end{document}&#10;"/>
-  <p:tag name="EXTERNALNAME" val="txp_fig"/>
-  <p:tag name="BLEND" val="False"/>
-  <p:tag name="TRANSPARENT" val="True"/>
-  <p:tag name="KEEPFILES" val="False"/>
-  <p:tag name="DEBUGPAUSE" val="False"/>
-  <p:tag name="RESOLUTION" val="300"/>
-  <p:tag name="TIMEOUT" val="15"/>
-  <p:tag name="BITMAPFORMAT" val="bmpmono"/>
-  <p:tag name="DEBUGINTERACTIVE" val="True"/>
-  <p:tag name="ORIGWIDTH" val="12"/>
-  <p:tag name="PICTUREFILESIZE" val="1262"/>
+  <p:tag name="_INSTRUCTOR VIEW19C14C36-AC8E-43BC-9DB6-C2AAF774C7DC|PANE__TAG" val="_"/>
 </p:tagLst>
 </file>
 
@@ -29947,23 +30243,18 @@
 
 <file path=ppt/tags/tag8.xml><?xml version="1.0" encoding="utf-8"?>
 <p:tagLst xmlns:a="http://schemas.openxmlformats.org/drawingml/2006/main" xmlns:r="http://schemas.openxmlformats.org/officeDocument/2006/relationships" xmlns:p="http://schemas.openxmlformats.org/presentationml/2006/main">
-  <p:tag name="SOURCE" val="\documentclass{slides}\pagestyle{empty}&#10;\begin{document}&#10;\[ G_{\sigma} =  \frac{1}{2 \pi \sigma^{2}} e^{-\frac{(x^{2} + y^{2})}{2 \sigma^{2}}} \]&#10;\end{document}&#10;"/>
+  <p:tag name="SOURCE" val="\documentclass{slides}\pagestyle{empty}&#10;\begin{document}&#10;\small&#10;\[ \frac{1}{9} &#10;\]&#10;\end{document}&#10;"/>
   <p:tag name="EXTERNALNAME" val="txp_fig"/>
   <p:tag name="BLEND" val="False"/>
   <p:tag name="TRANSPARENT" val="True"/>
   <p:tag name="KEEPFILES" val="False"/>
   <p:tag name="DEBUGPAUSE" val="False"/>
   <p:tag name="RESOLUTION" val="300"/>
-  <p:tag name="TIMEOUT" val="(none)"/>
-  <p:tag name="BOXWIDTH" val="348"/>
-  <p:tag name="BOXHEIGHT" val="296"/>
-  <p:tag name="BOXFONT" val="10"/>
-  <p:tag name="BOXWRAP" val="False"/>
-  <p:tag name="WORKAROUNDTRANSPARENCYBUG" val="False"/>
+  <p:tag name="TIMEOUT" val="15"/>
   <p:tag name="BITMAPFORMAT" val="bmpmono"/>
   <p:tag name="DEBUGINTERACTIVE" val="True"/>
-  <p:tag name="ORIGWIDTH" val="194.875"/>
-  <p:tag name="PICTUREFILESIZE" val="21694"/>
+  <p:tag name="ORIGWIDTH" val="12"/>
+  <p:tag name="PICTUREFILESIZE" val="1262"/>
 </p:tagLst>
 </file>
 
